--- a/ПодаточноРударство.pptx
+++ b/ПодаточноРударство.pptx
@@ -136,7 +136,18 @@
   </p:defaultTextStyle>
   <p:extLst>
     <p:ext uri="{EFAFB233-063F-42B5-8137-9DF3F51BA10A}">
-      <p15:sldGuideLst xmlns:p15="http://schemas.microsoft.com/office/powerpoint/2012/main" xmlns=""/>
+      <p15:sldGuideLst xmlns:p15="http://schemas.microsoft.com/office/powerpoint/2012/main">
+        <p15:guide id="1" orient="horz" pos="2160">
+          <p15:clr>
+            <a:srgbClr val="A4A3A4"/>
+          </p15:clr>
+        </p15:guide>
+        <p15:guide id="2" pos="3840">
+          <p15:clr>
+            <a:srgbClr val="A4A3A4"/>
+          </p15:clr>
+        </p15:guide>
+      </p15:sldGuideLst>
     </p:ext>
   </p:extLst>
 </p:presentation>
@@ -164,7 +175,7 @@
           <p:cNvPr id="2" name="Title 1">
             <a:extLst>
               <a:ext uri="{FF2B5EF4-FFF2-40B4-BE49-F238E27FC236}">
-                <a16:creationId xmlns:a16="http://schemas.microsoft.com/office/drawing/2014/main" xmlns="" id="{F0635904-FD33-49C9-A635-9F28A97FF2F5}"/>
+                <a16:creationId xmlns:a16="http://schemas.microsoft.com/office/drawing/2014/main" id="{F0635904-FD33-49C9-A635-9F28A97FF2F5}"/>
               </a:ext>
             </a:extLst>
           </p:cNvPr>
@@ -201,7 +212,7 @@
           <p:cNvPr id="3" name="Subtitle 2">
             <a:extLst>
               <a:ext uri="{FF2B5EF4-FFF2-40B4-BE49-F238E27FC236}">
-                <a16:creationId xmlns:a16="http://schemas.microsoft.com/office/drawing/2014/main" xmlns="" id="{6C764C1B-7544-4E34-9807-ECEE9258C587}"/>
+                <a16:creationId xmlns:a16="http://schemas.microsoft.com/office/drawing/2014/main" id="{6C764C1B-7544-4E34-9807-ECEE9258C587}"/>
               </a:ext>
             </a:extLst>
           </p:cNvPr>
@@ -271,7 +282,7 @@
           <p:cNvPr id="4" name="Date Placeholder 3">
             <a:extLst>
               <a:ext uri="{FF2B5EF4-FFF2-40B4-BE49-F238E27FC236}">
-                <a16:creationId xmlns:a16="http://schemas.microsoft.com/office/drawing/2014/main" xmlns="" id="{869B964B-575F-4024-A2C2-78AECD3BDA8D}"/>
+                <a16:creationId xmlns:a16="http://schemas.microsoft.com/office/drawing/2014/main" id="{869B964B-575F-4024-A2C2-78AECD3BDA8D}"/>
               </a:ext>
             </a:extLst>
           </p:cNvPr>
@@ -290,7 +301,7 @@
             <a:fld id="{210CE358-2A80-4DE8-80CB-E8C8B133AA98}" type="datetimeFigureOut">
               <a:rPr lang="en-US" smtClean="0"/>
               <a:pPr/>
-              <a:t>10/18/2020</a:t>
+              <a:t>10/19/2020</a:t>
             </a:fld>
             <a:endParaRPr lang="en-US"/>
           </a:p>
@@ -301,7 +312,7 @@
           <p:cNvPr id="5" name="Footer Placeholder 4">
             <a:extLst>
               <a:ext uri="{FF2B5EF4-FFF2-40B4-BE49-F238E27FC236}">
-                <a16:creationId xmlns:a16="http://schemas.microsoft.com/office/drawing/2014/main" xmlns="" id="{54C62E3C-41B4-4CE6-BE5C-56AA3BB94CE3}"/>
+                <a16:creationId xmlns:a16="http://schemas.microsoft.com/office/drawing/2014/main" id="{54C62E3C-41B4-4CE6-BE5C-56AA3BB94CE3}"/>
               </a:ext>
             </a:extLst>
           </p:cNvPr>
@@ -326,7 +337,7 @@
           <p:cNvPr id="6" name="Slide Number Placeholder 5">
             <a:extLst>
               <a:ext uri="{FF2B5EF4-FFF2-40B4-BE49-F238E27FC236}">
-                <a16:creationId xmlns:a16="http://schemas.microsoft.com/office/drawing/2014/main" xmlns="" id="{FEA47599-941C-4C83-BF62-4E7AE5301B23}"/>
+                <a16:creationId xmlns:a16="http://schemas.microsoft.com/office/drawing/2014/main" id="{FEA47599-941C-4C83-BF62-4E7AE5301B23}"/>
               </a:ext>
             </a:extLst>
           </p:cNvPr>
@@ -354,7 +365,7 @@
     </p:spTree>
     <p:extLst>
       <p:ext uri="{BB962C8B-B14F-4D97-AF65-F5344CB8AC3E}">
-        <p14:creationId xmlns:p14="http://schemas.microsoft.com/office/powerpoint/2010/main" xmlns="" val="1111334865"/>
+        <p14:creationId xmlns:p14="http://schemas.microsoft.com/office/powerpoint/2010/main" val="1111334865"/>
       </p:ext>
     </p:extLst>
   </p:cSld>
@@ -386,7 +397,7 @@
           <p:cNvPr id="2" name="Title 1">
             <a:extLst>
               <a:ext uri="{FF2B5EF4-FFF2-40B4-BE49-F238E27FC236}">
-                <a16:creationId xmlns:a16="http://schemas.microsoft.com/office/drawing/2014/main" xmlns="" id="{3908CF89-346E-483F-9655-48ED823363F1}"/>
+                <a16:creationId xmlns:a16="http://schemas.microsoft.com/office/drawing/2014/main" id="{3908CF89-346E-483F-9655-48ED823363F1}"/>
               </a:ext>
             </a:extLst>
           </p:cNvPr>
@@ -414,7 +425,7 @@
           <p:cNvPr id="3" name="Vertical Text Placeholder 2">
             <a:extLst>
               <a:ext uri="{FF2B5EF4-FFF2-40B4-BE49-F238E27FC236}">
-                <a16:creationId xmlns:a16="http://schemas.microsoft.com/office/drawing/2014/main" xmlns="" id="{D1F43AD2-BE73-4CED-B585-5862F16BFE45}"/>
+                <a16:creationId xmlns:a16="http://schemas.microsoft.com/office/drawing/2014/main" id="{D1F43AD2-BE73-4CED-B585-5862F16BFE45}"/>
               </a:ext>
             </a:extLst>
           </p:cNvPr>
@@ -471,7 +482,7 @@
           <p:cNvPr id="4" name="Date Placeholder 3">
             <a:extLst>
               <a:ext uri="{FF2B5EF4-FFF2-40B4-BE49-F238E27FC236}">
-                <a16:creationId xmlns:a16="http://schemas.microsoft.com/office/drawing/2014/main" xmlns="" id="{8DB4D45A-8BA4-4BBD-BCE1-F2CD58C2108B}"/>
+                <a16:creationId xmlns:a16="http://schemas.microsoft.com/office/drawing/2014/main" id="{8DB4D45A-8BA4-4BBD-BCE1-F2CD58C2108B}"/>
               </a:ext>
             </a:extLst>
           </p:cNvPr>
@@ -490,7 +501,7 @@
             <a:fld id="{210CE358-2A80-4DE8-80CB-E8C8B133AA98}" type="datetimeFigureOut">
               <a:rPr lang="en-US" smtClean="0"/>
               <a:pPr/>
-              <a:t>10/18/2020</a:t>
+              <a:t>10/19/2020</a:t>
             </a:fld>
             <a:endParaRPr lang="en-US"/>
           </a:p>
@@ -501,7 +512,7 @@
           <p:cNvPr id="5" name="Footer Placeholder 4">
             <a:extLst>
               <a:ext uri="{FF2B5EF4-FFF2-40B4-BE49-F238E27FC236}">
-                <a16:creationId xmlns:a16="http://schemas.microsoft.com/office/drawing/2014/main" xmlns="" id="{7D70A093-C880-4AE0-B614-9BB316AB0A33}"/>
+                <a16:creationId xmlns:a16="http://schemas.microsoft.com/office/drawing/2014/main" id="{7D70A093-C880-4AE0-B614-9BB316AB0A33}"/>
               </a:ext>
             </a:extLst>
           </p:cNvPr>
@@ -526,7 +537,7 @@
           <p:cNvPr id="6" name="Slide Number Placeholder 5">
             <a:extLst>
               <a:ext uri="{FF2B5EF4-FFF2-40B4-BE49-F238E27FC236}">
-                <a16:creationId xmlns:a16="http://schemas.microsoft.com/office/drawing/2014/main" xmlns="" id="{A4A18F03-CF6D-491A-A48D-68AA9B292EBE}"/>
+                <a16:creationId xmlns:a16="http://schemas.microsoft.com/office/drawing/2014/main" id="{A4A18F03-CF6D-491A-A48D-68AA9B292EBE}"/>
               </a:ext>
             </a:extLst>
           </p:cNvPr>
@@ -554,7 +565,7 @@
     </p:spTree>
     <p:extLst>
       <p:ext uri="{BB962C8B-B14F-4D97-AF65-F5344CB8AC3E}">
-        <p14:creationId xmlns:p14="http://schemas.microsoft.com/office/powerpoint/2010/main" xmlns="" val="2964035898"/>
+        <p14:creationId xmlns:p14="http://schemas.microsoft.com/office/powerpoint/2010/main" val="2964035898"/>
       </p:ext>
     </p:extLst>
   </p:cSld>
@@ -586,7 +597,7 @@
           <p:cNvPr id="2" name="Vertical Title 1">
             <a:extLst>
               <a:ext uri="{FF2B5EF4-FFF2-40B4-BE49-F238E27FC236}">
-                <a16:creationId xmlns:a16="http://schemas.microsoft.com/office/drawing/2014/main" xmlns="" id="{7F80513A-65B8-4AB9-896F-955F53B4FEC8}"/>
+                <a16:creationId xmlns:a16="http://schemas.microsoft.com/office/drawing/2014/main" id="{7F80513A-65B8-4AB9-896F-955F53B4FEC8}"/>
               </a:ext>
             </a:extLst>
           </p:cNvPr>
@@ -619,7 +630,7 @@
           <p:cNvPr id="3" name="Vertical Text Placeholder 2">
             <a:extLst>
               <a:ext uri="{FF2B5EF4-FFF2-40B4-BE49-F238E27FC236}">
-                <a16:creationId xmlns:a16="http://schemas.microsoft.com/office/drawing/2014/main" xmlns="" id="{ED860A08-EAB0-450C-9040-324520A5FA62}"/>
+                <a16:creationId xmlns:a16="http://schemas.microsoft.com/office/drawing/2014/main" id="{ED860A08-EAB0-450C-9040-324520A5FA62}"/>
               </a:ext>
             </a:extLst>
           </p:cNvPr>
@@ -681,7 +692,7 @@
           <p:cNvPr id="4" name="Date Placeholder 3">
             <a:extLst>
               <a:ext uri="{FF2B5EF4-FFF2-40B4-BE49-F238E27FC236}">
-                <a16:creationId xmlns:a16="http://schemas.microsoft.com/office/drawing/2014/main" xmlns="" id="{77BE6879-9954-448B-A44C-DBB9594DB084}"/>
+                <a16:creationId xmlns:a16="http://schemas.microsoft.com/office/drawing/2014/main" id="{77BE6879-9954-448B-A44C-DBB9594DB084}"/>
               </a:ext>
             </a:extLst>
           </p:cNvPr>
@@ -700,7 +711,7 @@
             <a:fld id="{210CE358-2A80-4DE8-80CB-E8C8B133AA98}" type="datetimeFigureOut">
               <a:rPr lang="en-US" smtClean="0"/>
               <a:pPr/>
-              <a:t>10/18/2020</a:t>
+              <a:t>10/19/2020</a:t>
             </a:fld>
             <a:endParaRPr lang="en-US"/>
           </a:p>
@@ -711,7 +722,7 @@
           <p:cNvPr id="5" name="Footer Placeholder 4">
             <a:extLst>
               <a:ext uri="{FF2B5EF4-FFF2-40B4-BE49-F238E27FC236}">
-                <a16:creationId xmlns:a16="http://schemas.microsoft.com/office/drawing/2014/main" xmlns="" id="{EDA5EBE2-82DD-4712-B02E-58797A975AC6}"/>
+                <a16:creationId xmlns:a16="http://schemas.microsoft.com/office/drawing/2014/main" id="{EDA5EBE2-82DD-4712-B02E-58797A975AC6}"/>
               </a:ext>
             </a:extLst>
           </p:cNvPr>
@@ -736,7 +747,7 @@
           <p:cNvPr id="6" name="Slide Number Placeholder 5">
             <a:extLst>
               <a:ext uri="{FF2B5EF4-FFF2-40B4-BE49-F238E27FC236}">
-                <a16:creationId xmlns:a16="http://schemas.microsoft.com/office/drawing/2014/main" xmlns="" id="{6D777128-9043-43D4-AFFE-BED550D7A841}"/>
+                <a16:creationId xmlns:a16="http://schemas.microsoft.com/office/drawing/2014/main" id="{6D777128-9043-43D4-AFFE-BED550D7A841}"/>
               </a:ext>
             </a:extLst>
           </p:cNvPr>
@@ -764,7 +775,7 @@
     </p:spTree>
     <p:extLst>
       <p:ext uri="{BB962C8B-B14F-4D97-AF65-F5344CB8AC3E}">
-        <p14:creationId xmlns:p14="http://schemas.microsoft.com/office/powerpoint/2010/main" xmlns="" val="647436264"/>
+        <p14:creationId xmlns:p14="http://schemas.microsoft.com/office/powerpoint/2010/main" val="647436264"/>
       </p:ext>
     </p:extLst>
   </p:cSld>
@@ -796,7 +807,7 @@
           <p:cNvPr id="2" name="Title 1">
             <a:extLst>
               <a:ext uri="{FF2B5EF4-FFF2-40B4-BE49-F238E27FC236}">
-                <a16:creationId xmlns:a16="http://schemas.microsoft.com/office/drawing/2014/main" xmlns="" id="{0A63A7D5-C136-4B56-9F33-CC7F9D5C5388}"/>
+                <a16:creationId xmlns:a16="http://schemas.microsoft.com/office/drawing/2014/main" id="{0A63A7D5-C136-4B56-9F33-CC7F9D5C5388}"/>
               </a:ext>
             </a:extLst>
           </p:cNvPr>
@@ -824,7 +835,7 @@
           <p:cNvPr id="3" name="Content Placeholder 2">
             <a:extLst>
               <a:ext uri="{FF2B5EF4-FFF2-40B4-BE49-F238E27FC236}">
-                <a16:creationId xmlns:a16="http://schemas.microsoft.com/office/drawing/2014/main" xmlns="" id="{8E57A446-D848-49CB-9FB2-1408AC63D47B}"/>
+                <a16:creationId xmlns:a16="http://schemas.microsoft.com/office/drawing/2014/main" id="{8E57A446-D848-49CB-9FB2-1408AC63D47B}"/>
               </a:ext>
             </a:extLst>
           </p:cNvPr>
@@ -881,7 +892,7 @@
           <p:cNvPr id="4" name="Date Placeholder 3">
             <a:extLst>
               <a:ext uri="{FF2B5EF4-FFF2-40B4-BE49-F238E27FC236}">
-                <a16:creationId xmlns:a16="http://schemas.microsoft.com/office/drawing/2014/main" xmlns="" id="{C52764AF-893C-4423-8208-D0A5D1F28997}"/>
+                <a16:creationId xmlns:a16="http://schemas.microsoft.com/office/drawing/2014/main" id="{C52764AF-893C-4423-8208-D0A5D1F28997}"/>
               </a:ext>
             </a:extLst>
           </p:cNvPr>
@@ -900,7 +911,7 @@
             <a:fld id="{210CE358-2A80-4DE8-80CB-E8C8B133AA98}" type="datetimeFigureOut">
               <a:rPr lang="en-US" smtClean="0"/>
               <a:pPr/>
-              <a:t>10/18/2020</a:t>
+              <a:t>10/19/2020</a:t>
             </a:fld>
             <a:endParaRPr lang="en-US"/>
           </a:p>
@@ -911,7 +922,7 @@
           <p:cNvPr id="5" name="Footer Placeholder 4">
             <a:extLst>
               <a:ext uri="{FF2B5EF4-FFF2-40B4-BE49-F238E27FC236}">
-                <a16:creationId xmlns:a16="http://schemas.microsoft.com/office/drawing/2014/main" xmlns="" id="{24632762-F1A0-4195-9450-B7D4EFFE26CB}"/>
+                <a16:creationId xmlns:a16="http://schemas.microsoft.com/office/drawing/2014/main" id="{24632762-F1A0-4195-9450-B7D4EFFE26CB}"/>
               </a:ext>
             </a:extLst>
           </p:cNvPr>
@@ -936,7 +947,7 @@
           <p:cNvPr id="6" name="Slide Number Placeholder 5">
             <a:extLst>
               <a:ext uri="{FF2B5EF4-FFF2-40B4-BE49-F238E27FC236}">
-                <a16:creationId xmlns:a16="http://schemas.microsoft.com/office/drawing/2014/main" xmlns="" id="{622F0F95-A6F8-4632-B49B-27183818373E}"/>
+                <a16:creationId xmlns:a16="http://schemas.microsoft.com/office/drawing/2014/main" id="{622F0F95-A6F8-4632-B49B-27183818373E}"/>
               </a:ext>
             </a:extLst>
           </p:cNvPr>
@@ -964,7 +975,7 @@
     </p:spTree>
     <p:extLst>
       <p:ext uri="{BB962C8B-B14F-4D97-AF65-F5344CB8AC3E}">
-        <p14:creationId xmlns:p14="http://schemas.microsoft.com/office/powerpoint/2010/main" xmlns="" val="2925205149"/>
+        <p14:creationId xmlns:p14="http://schemas.microsoft.com/office/powerpoint/2010/main" val="2925205149"/>
       </p:ext>
     </p:extLst>
   </p:cSld>
@@ -996,7 +1007,7 @@
           <p:cNvPr id="2" name="Title 1">
             <a:extLst>
               <a:ext uri="{FF2B5EF4-FFF2-40B4-BE49-F238E27FC236}">
-                <a16:creationId xmlns:a16="http://schemas.microsoft.com/office/drawing/2014/main" xmlns="" id="{5A0D218A-A6F7-4049-96A8-2ECC3B30269A}"/>
+                <a16:creationId xmlns:a16="http://schemas.microsoft.com/office/drawing/2014/main" id="{5A0D218A-A6F7-4049-96A8-2ECC3B30269A}"/>
               </a:ext>
             </a:extLst>
           </p:cNvPr>
@@ -1033,7 +1044,7 @@
           <p:cNvPr id="3" name="Text Placeholder 2">
             <a:extLst>
               <a:ext uri="{FF2B5EF4-FFF2-40B4-BE49-F238E27FC236}">
-                <a16:creationId xmlns:a16="http://schemas.microsoft.com/office/drawing/2014/main" xmlns="" id="{AB6A0EA1-6152-4221-87AD-5967CD337207}"/>
+                <a16:creationId xmlns:a16="http://schemas.microsoft.com/office/drawing/2014/main" id="{AB6A0EA1-6152-4221-87AD-5967CD337207}"/>
               </a:ext>
             </a:extLst>
           </p:cNvPr>
@@ -1158,7 +1169,7 @@
           <p:cNvPr id="4" name="Date Placeholder 3">
             <a:extLst>
               <a:ext uri="{FF2B5EF4-FFF2-40B4-BE49-F238E27FC236}">
-                <a16:creationId xmlns:a16="http://schemas.microsoft.com/office/drawing/2014/main" xmlns="" id="{83AD2198-5B7D-4044-AED8-F9FAFA055F4A}"/>
+                <a16:creationId xmlns:a16="http://schemas.microsoft.com/office/drawing/2014/main" id="{83AD2198-5B7D-4044-AED8-F9FAFA055F4A}"/>
               </a:ext>
             </a:extLst>
           </p:cNvPr>
@@ -1177,7 +1188,7 @@
             <a:fld id="{210CE358-2A80-4DE8-80CB-E8C8B133AA98}" type="datetimeFigureOut">
               <a:rPr lang="en-US" smtClean="0"/>
               <a:pPr/>
-              <a:t>10/18/2020</a:t>
+              <a:t>10/19/2020</a:t>
             </a:fld>
             <a:endParaRPr lang="en-US"/>
           </a:p>
@@ -1188,7 +1199,7 @@
           <p:cNvPr id="5" name="Footer Placeholder 4">
             <a:extLst>
               <a:ext uri="{FF2B5EF4-FFF2-40B4-BE49-F238E27FC236}">
-                <a16:creationId xmlns:a16="http://schemas.microsoft.com/office/drawing/2014/main" xmlns="" id="{D7408B45-7CED-4E1E-93AB-9134158ABC6A}"/>
+                <a16:creationId xmlns:a16="http://schemas.microsoft.com/office/drawing/2014/main" id="{D7408B45-7CED-4E1E-93AB-9134158ABC6A}"/>
               </a:ext>
             </a:extLst>
           </p:cNvPr>
@@ -1213,7 +1224,7 @@
           <p:cNvPr id="6" name="Slide Number Placeholder 5">
             <a:extLst>
               <a:ext uri="{FF2B5EF4-FFF2-40B4-BE49-F238E27FC236}">
-                <a16:creationId xmlns:a16="http://schemas.microsoft.com/office/drawing/2014/main" xmlns="" id="{B9456448-4222-44C8-A548-2D4009710D0E}"/>
+                <a16:creationId xmlns:a16="http://schemas.microsoft.com/office/drawing/2014/main" id="{B9456448-4222-44C8-A548-2D4009710D0E}"/>
               </a:ext>
             </a:extLst>
           </p:cNvPr>
@@ -1241,7 +1252,7 @@
     </p:spTree>
     <p:extLst>
       <p:ext uri="{BB962C8B-B14F-4D97-AF65-F5344CB8AC3E}">
-        <p14:creationId xmlns:p14="http://schemas.microsoft.com/office/powerpoint/2010/main" xmlns="" val="21087462"/>
+        <p14:creationId xmlns:p14="http://schemas.microsoft.com/office/powerpoint/2010/main" val="21087462"/>
       </p:ext>
     </p:extLst>
   </p:cSld>
@@ -1273,7 +1284,7 @@
           <p:cNvPr id="2" name="Title 1">
             <a:extLst>
               <a:ext uri="{FF2B5EF4-FFF2-40B4-BE49-F238E27FC236}">
-                <a16:creationId xmlns:a16="http://schemas.microsoft.com/office/drawing/2014/main" xmlns="" id="{7743D1EE-904A-4B91-9EAC-93ACED4E0EE4}"/>
+                <a16:creationId xmlns:a16="http://schemas.microsoft.com/office/drawing/2014/main" id="{7743D1EE-904A-4B91-9EAC-93ACED4E0EE4}"/>
               </a:ext>
             </a:extLst>
           </p:cNvPr>
@@ -1301,7 +1312,7 @@
           <p:cNvPr id="3" name="Content Placeholder 2">
             <a:extLst>
               <a:ext uri="{FF2B5EF4-FFF2-40B4-BE49-F238E27FC236}">
-                <a16:creationId xmlns:a16="http://schemas.microsoft.com/office/drawing/2014/main" xmlns="" id="{EFAD20E8-E6F7-4E13-B719-568F62B17CFC}"/>
+                <a16:creationId xmlns:a16="http://schemas.microsoft.com/office/drawing/2014/main" id="{EFAD20E8-E6F7-4E13-B719-568F62B17CFC}"/>
               </a:ext>
             </a:extLst>
           </p:cNvPr>
@@ -1363,7 +1374,7 @@
           <p:cNvPr id="4" name="Content Placeholder 3">
             <a:extLst>
               <a:ext uri="{FF2B5EF4-FFF2-40B4-BE49-F238E27FC236}">
-                <a16:creationId xmlns:a16="http://schemas.microsoft.com/office/drawing/2014/main" xmlns="" id="{295B2051-E52E-4E24-8EBA-1642B6D37806}"/>
+                <a16:creationId xmlns:a16="http://schemas.microsoft.com/office/drawing/2014/main" id="{295B2051-E52E-4E24-8EBA-1642B6D37806}"/>
               </a:ext>
             </a:extLst>
           </p:cNvPr>
@@ -1425,7 +1436,7 @@
           <p:cNvPr id="5" name="Date Placeholder 4">
             <a:extLst>
               <a:ext uri="{FF2B5EF4-FFF2-40B4-BE49-F238E27FC236}">
-                <a16:creationId xmlns:a16="http://schemas.microsoft.com/office/drawing/2014/main" xmlns="" id="{3FAE0F16-66C7-46C0-9AFC-6B049791F37F}"/>
+                <a16:creationId xmlns:a16="http://schemas.microsoft.com/office/drawing/2014/main" id="{3FAE0F16-66C7-46C0-9AFC-6B049791F37F}"/>
               </a:ext>
             </a:extLst>
           </p:cNvPr>
@@ -1444,7 +1455,7 @@
             <a:fld id="{210CE358-2A80-4DE8-80CB-E8C8B133AA98}" type="datetimeFigureOut">
               <a:rPr lang="en-US" smtClean="0"/>
               <a:pPr/>
-              <a:t>10/18/2020</a:t>
+              <a:t>10/19/2020</a:t>
             </a:fld>
             <a:endParaRPr lang="en-US"/>
           </a:p>
@@ -1455,7 +1466,7 @@
           <p:cNvPr id="6" name="Footer Placeholder 5">
             <a:extLst>
               <a:ext uri="{FF2B5EF4-FFF2-40B4-BE49-F238E27FC236}">
-                <a16:creationId xmlns:a16="http://schemas.microsoft.com/office/drawing/2014/main" xmlns="" id="{B245B58E-4AF0-42E5-B073-E4368F2BA009}"/>
+                <a16:creationId xmlns:a16="http://schemas.microsoft.com/office/drawing/2014/main" id="{B245B58E-4AF0-42E5-B073-E4368F2BA009}"/>
               </a:ext>
             </a:extLst>
           </p:cNvPr>
@@ -1480,7 +1491,7 @@
           <p:cNvPr id="7" name="Slide Number Placeholder 6">
             <a:extLst>
               <a:ext uri="{FF2B5EF4-FFF2-40B4-BE49-F238E27FC236}">
-                <a16:creationId xmlns:a16="http://schemas.microsoft.com/office/drawing/2014/main" xmlns="" id="{8C79CFCF-EE17-4C80-8308-031E9D5E90B9}"/>
+                <a16:creationId xmlns:a16="http://schemas.microsoft.com/office/drawing/2014/main" id="{8C79CFCF-EE17-4C80-8308-031E9D5E90B9}"/>
               </a:ext>
             </a:extLst>
           </p:cNvPr>
@@ -1508,7 +1519,7 @@
     </p:spTree>
     <p:extLst>
       <p:ext uri="{BB962C8B-B14F-4D97-AF65-F5344CB8AC3E}">
-        <p14:creationId xmlns:p14="http://schemas.microsoft.com/office/powerpoint/2010/main" xmlns="" val="505038042"/>
+        <p14:creationId xmlns:p14="http://schemas.microsoft.com/office/powerpoint/2010/main" val="505038042"/>
       </p:ext>
     </p:extLst>
   </p:cSld>
@@ -1540,7 +1551,7 @@
           <p:cNvPr id="2" name="Title 1">
             <a:extLst>
               <a:ext uri="{FF2B5EF4-FFF2-40B4-BE49-F238E27FC236}">
-                <a16:creationId xmlns:a16="http://schemas.microsoft.com/office/drawing/2014/main" xmlns="" id="{B074B924-2A7E-45EC-B1AE-C28341F2785B}"/>
+                <a16:creationId xmlns:a16="http://schemas.microsoft.com/office/drawing/2014/main" id="{B074B924-2A7E-45EC-B1AE-C28341F2785B}"/>
               </a:ext>
             </a:extLst>
           </p:cNvPr>
@@ -1573,7 +1584,7 @@
           <p:cNvPr id="3" name="Text Placeholder 2">
             <a:extLst>
               <a:ext uri="{FF2B5EF4-FFF2-40B4-BE49-F238E27FC236}">
-                <a16:creationId xmlns:a16="http://schemas.microsoft.com/office/drawing/2014/main" xmlns="" id="{697C3B9D-25DB-4EDF-A339-8101E68CEC9E}"/>
+                <a16:creationId xmlns:a16="http://schemas.microsoft.com/office/drawing/2014/main" id="{697C3B9D-25DB-4EDF-A339-8101E68CEC9E}"/>
               </a:ext>
             </a:extLst>
           </p:cNvPr>
@@ -1644,7 +1655,7 @@
           <p:cNvPr id="4" name="Content Placeholder 3">
             <a:extLst>
               <a:ext uri="{FF2B5EF4-FFF2-40B4-BE49-F238E27FC236}">
-                <a16:creationId xmlns:a16="http://schemas.microsoft.com/office/drawing/2014/main" xmlns="" id="{DA2A89E7-2FFA-4B73-B691-0F19D2448104}"/>
+                <a16:creationId xmlns:a16="http://schemas.microsoft.com/office/drawing/2014/main" id="{DA2A89E7-2FFA-4B73-B691-0F19D2448104}"/>
               </a:ext>
             </a:extLst>
           </p:cNvPr>
@@ -1706,7 +1717,7 @@
           <p:cNvPr id="5" name="Text Placeholder 4">
             <a:extLst>
               <a:ext uri="{FF2B5EF4-FFF2-40B4-BE49-F238E27FC236}">
-                <a16:creationId xmlns:a16="http://schemas.microsoft.com/office/drawing/2014/main" xmlns="" id="{2F1F9A96-0D2C-40B8-B64E-FF88B5EE1CB5}"/>
+                <a16:creationId xmlns:a16="http://schemas.microsoft.com/office/drawing/2014/main" id="{2F1F9A96-0D2C-40B8-B64E-FF88B5EE1CB5}"/>
               </a:ext>
             </a:extLst>
           </p:cNvPr>
@@ -1777,7 +1788,7 @@
           <p:cNvPr id="6" name="Content Placeholder 5">
             <a:extLst>
               <a:ext uri="{FF2B5EF4-FFF2-40B4-BE49-F238E27FC236}">
-                <a16:creationId xmlns:a16="http://schemas.microsoft.com/office/drawing/2014/main" xmlns="" id="{AFF4ED7C-0BA6-4D67-8A55-B79204DDD4E1}"/>
+                <a16:creationId xmlns:a16="http://schemas.microsoft.com/office/drawing/2014/main" id="{AFF4ED7C-0BA6-4D67-8A55-B79204DDD4E1}"/>
               </a:ext>
             </a:extLst>
           </p:cNvPr>
@@ -1839,7 +1850,7 @@
           <p:cNvPr id="7" name="Date Placeholder 6">
             <a:extLst>
               <a:ext uri="{FF2B5EF4-FFF2-40B4-BE49-F238E27FC236}">
-                <a16:creationId xmlns:a16="http://schemas.microsoft.com/office/drawing/2014/main" xmlns="" id="{B635D2DB-EAFE-4454-A5B3-8FC4F91045CF}"/>
+                <a16:creationId xmlns:a16="http://schemas.microsoft.com/office/drawing/2014/main" id="{B635D2DB-EAFE-4454-A5B3-8FC4F91045CF}"/>
               </a:ext>
             </a:extLst>
           </p:cNvPr>
@@ -1858,7 +1869,7 @@
             <a:fld id="{210CE358-2A80-4DE8-80CB-E8C8B133AA98}" type="datetimeFigureOut">
               <a:rPr lang="en-US" smtClean="0"/>
               <a:pPr/>
-              <a:t>10/18/2020</a:t>
+              <a:t>10/19/2020</a:t>
             </a:fld>
             <a:endParaRPr lang="en-US"/>
           </a:p>
@@ -1869,7 +1880,7 @@
           <p:cNvPr id="8" name="Footer Placeholder 7">
             <a:extLst>
               <a:ext uri="{FF2B5EF4-FFF2-40B4-BE49-F238E27FC236}">
-                <a16:creationId xmlns:a16="http://schemas.microsoft.com/office/drawing/2014/main" xmlns="" id="{FB08EB99-4746-4232-BAF3-504CF2518C49}"/>
+                <a16:creationId xmlns:a16="http://schemas.microsoft.com/office/drawing/2014/main" id="{FB08EB99-4746-4232-BAF3-504CF2518C49}"/>
               </a:ext>
             </a:extLst>
           </p:cNvPr>
@@ -1894,7 +1905,7 @@
           <p:cNvPr id="9" name="Slide Number Placeholder 8">
             <a:extLst>
               <a:ext uri="{FF2B5EF4-FFF2-40B4-BE49-F238E27FC236}">
-                <a16:creationId xmlns:a16="http://schemas.microsoft.com/office/drawing/2014/main" xmlns="" id="{07458184-C951-44A3-B181-86D2D949C02C}"/>
+                <a16:creationId xmlns:a16="http://schemas.microsoft.com/office/drawing/2014/main" id="{07458184-C951-44A3-B181-86D2D949C02C}"/>
               </a:ext>
             </a:extLst>
           </p:cNvPr>
@@ -1922,7 +1933,7 @@
     </p:spTree>
     <p:extLst>
       <p:ext uri="{BB962C8B-B14F-4D97-AF65-F5344CB8AC3E}">
-        <p14:creationId xmlns:p14="http://schemas.microsoft.com/office/powerpoint/2010/main" xmlns="" val="3445457314"/>
+        <p14:creationId xmlns:p14="http://schemas.microsoft.com/office/powerpoint/2010/main" val="3445457314"/>
       </p:ext>
     </p:extLst>
   </p:cSld>
@@ -1954,7 +1965,7 @@
           <p:cNvPr id="2" name="Title 1">
             <a:extLst>
               <a:ext uri="{FF2B5EF4-FFF2-40B4-BE49-F238E27FC236}">
-                <a16:creationId xmlns:a16="http://schemas.microsoft.com/office/drawing/2014/main" xmlns="" id="{92458B72-8BCF-4853-AEC1-CF27D348FB22}"/>
+                <a16:creationId xmlns:a16="http://schemas.microsoft.com/office/drawing/2014/main" id="{92458B72-8BCF-4853-AEC1-CF27D348FB22}"/>
               </a:ext>
             </a:extLst>
           </p:cNvPr>
@@ -1982,7 +1993,7 @@
           <p:cNvPr id="3" name="Date Placeholder 2">
             <a:extLst>
               <a:ext uri="{FF2B5EF4-FFF2-40B4-BE49-F238E27FC236}">
-                <a16:creationId xmlns:a16="http://schemas.microsoft.com/office/drawing/2014/main" xmlns="" id="{F6CC9CE1-EBFB-4377-B060-B1912BA8455D}"/>
+                <a16:creationId xmlns:a16="http://schemas.microsoft.com/office/drawing/2014/main" id="{F6CC9CE1-EBFB-4377-B060-B1912BA8455D}"/>
               </a:ext>
             </a:extLst>
           </p:cNvPr>
@@ -2001,7 +2012,7 @@
             <a:fld id="{210CE358-2A80-4DE8-80CB-E8C8B133AA98}" type="datetimeFigureOut">
               <a:rPr lang="en-US" smtClean="0"/>
               <a:pPr/>
-              <a:t>10/18/2020</a:t>
+              <a:t>10/19/2020</a:t>
             </a:fld>
             <a:endParaRPr lang="en-US"/>
           </a:p>
@@ -2012,7 +2023,7 @@
           <p:cNvPr id="4" name="Footer Placeholder 3">
             <a:extLst>
               <a:ext uri="{FF2B5EF4-FFF2-40B4-BE49-F238E27FC236}">
-                <a16:creationId xmlns:a16="http://schemas.microsoft.com/office/drawing/2014/main" xmlns="" id="{C9F01C8B-EF25-4D7A-B49C-66CCFEC065B0}"/>
+                <a16:creationId xmlns:a16="http://schemas.microsoft.com/office/drawing/2014/main" id="{C9F01C8B-EF25-4D7A-B49C-66CCFEC065B0}"/>
               </a:ext>
             </a:extLst>
           </p:cNvPr>
@@ -2037,7 +2048,7 @@
           <p:cNvPr id="5" name="Slide Number Placeholder 4">
             <a:extLst>
               <a:ext uri="{FF2B5EF4-FFF2-40B4-BE49-F238E27FC236}">
-                <a16:creationId xmlns:a16="http://schemas.microsoft.com/office/drawing/2014/main" xmlns="" id="{FF64E285-1463-456F-AFB7-CC22ECBAB35E}"/>
+                <a16:creationId xmlns:a16="http://schemas.microsoft.com/office/drawing/2014/main" id="{FF64E285-1463-456F-AFB7-CC22ECBAB35E}"/>
               </a:ext>
             </a:extLst>
           </p:cNvPr>
@@ -2065,7 +2076,7 @@
     </p:spTree>
     <p:extLst>
       <p:ext uri="{BB962C8B-B14F-4D97-AF65-F5344CB8AC3E}">
-        <p14:creationId xmlns:p14="http://schemas.microsoft.com/office/powerpoint/2010/main" xmlns="" val="1562529403"/>
+        <p14:creationId xmlns:p14="http://schemas.microsoft.com/office/powerpoint/2010/main" val="1562529403"/>
       </p:ext>
     </p:extLst>
   </p:cSld>
@@ -2097,7 +2108,7 @@
           <p:cNvPr id="2" name="Date Placeholder 1">
             <a:extLst>
               <a:ext uri="{FF2B5EF4-FFF2-40B4-BE49-F238E27FC236}">
-                <a16:creationId xmlns:a16="http://schemas.microsoft.com/office/drawing/2014/main" xmlns="" id="{B9E7A870-B548-4384-832C-599E5A403897}"/>
+                <a16:creationId xmlns:a16="http://schemas.microsoft.com/office/drawing/2014/main" id="{B9E7A870-B548-4384-832C-599E5A403897}"/>
               </a:ext>
             </a:extLst>
           </p:cNvPr>
@@ -2116,7 +2127,7 @@
             <a:fld id="{210CE358-2A80-4DE8-80CB-E8C8B133AA98}" type="datetimeFigureOut">
               <a:rPr lang="en-US" smtClean="0"/>
               <a:pPr/>
-              <a:t>10/18/2020</a:t>
+              <a:t>10/19/2020</a:t>
             </a:fld>
             <a:endParaRPr lang="en-US"/>
           </a:p>
@@ -2127,7 +2138,7 @@
           <p:cNvPr id="3" name="Footer Placeholder 2">
             <a:extLst>
               <a:ext uri="{FF2B5EF4-FFF2-40B4-BE49-F238E27FC236}">
-                <a16:creationId xmlns:a16="http://schemas.microsoft.com/office/drawing/2014/main" xmlns="" id="{FA286743-DB08-45B8-B2F2-547481D4E48B}"/>
+                <a16:creationId xmlns:a16="http://schemas.microsoft.com/office/drawing/2014/main" id="{FA286743-DB08-45B8-B2F2-547481D4E48B}"/>
               </a:ext>
             </a:extLst>
           </p:cNvPr>
@@ -2152,7 +2163,7 @@
           <p:cNvPr id="4" name="Slide Number Placeholder 3">
             <a:extLst>
               <a:ext uri="{FF2B5EF4-FFF2-40B4-BE49-F238E27FC236}">
-                <a16:creationId xmlns:a16="http://schemas.microsoft.com/office/drawing/2014/main" xmlns="" id="{557E861C-49D4-4C1D-86DF-369EDBB02E1F}"/>
+                <a16:creationId xmlns:a16="http://schemas.microsoft.com/office/drawing/2014/main" id="{557E861C-49D4-4C1D-86DF-369EDBB02E1F}"/>
               </a:ext>
             </a:extLst>
           </p:cNvPr>
@@ -2180,7 +2191,7 @@
     </p:spTree>
     <p:extLst>
       <p:ext uri="{BB962C8B-B14F-4D97-AF65-F5344CB8AC3E}">
-        <p14:creationId xmlns:p14="http://schemas.microsoft.com/office/powerpoint/2010/main" xmlns="" val="4136114110"/>
+        <p14:creationId xmlns:p14="http://schemas.microsoft.com/office/powerpoint/2010/main" val="4136114110"/>
       </p:ext>
     </p:extLst>
   </p:cSld>
@@ -2212,7 +2223,7 @@
           <p:cNvPr id="2" name="Title 1">
             <a:extLst>
               <a:ext uri="{FF2B5EF4-FFF2-40B4-BE49-F238E27FC236}">
-                <a16:creationId xmlns:a16="http://schemas.microsoft.com/office/drawing/2014/main" xmlns="" id="{CFD94AAE-584C-49B2-BA29-0A5E905D8272}"/>
+                <a16:creationId xmlns:a16="http://schemas.microsoft.com/office/drawing/2014/main" id="{CFD94AAE-584C-49B2-BA29-0A5E905D8272}"/>
               </a:ext>
             </a:extLst>
           </p:cNvPr>
@@ -2249,7 +2260,7 @@
           <p:cNvPr id="3" name="Content Placeholder 2">
             <a:extLst>
               <a:ext uri="{FF2B5EF4-FFF2-40B4-BE49-F238E27FC236}">
-                <a16:creationId xmlns:a16="http://schemas.microsoft.com/office/drawing/2014/main" xmlns="" id="{5B7C840E-5371-4729-BDC0-7262E7530BBC}"/>
+                <a16:creationId xmlns:a16="http://schemas.microsoft.com/office/drawing/2014/main" id="{5B7C840E-5371-4729-BDC0-7262E7530BBC}"/>
               </a:ext>
             </a:extLst>
           </p:cNvPr>
@@ -2339,7 +2350,7 @@
           <p:cNvPr id="4" name="Text Placeholder 3">
             <a:extLst>
               <a:ext uri="{FF2B5EF4-FFF2-40B4-BE49-F238E27FC236}">
-                <a16:creationId xmlns:a16="http://schemas.microsoft.com/office/drawing/2014/main" xmlns="" id="{3A7D00EA-DA27-4125-977C-1C0B2C350A1E}"/>
+                <a16:creationId xmlns:a16="http://schemas.microsoft.com/office/drawing/2014/main" id="{3A7D00EA-DA27-4125-977C-1C0B2C350A1E}"/>
               </a:ext>
             </a:extLst>
           </p:cNvPr>
@@ -2410,7 +2421,7 @@
           <p:cNvPr id="5" name="Date Placeholder 4">
             <a:extLst>
               <a:ext uri="{FF2B5EF4-FFF2-40B4-BE49-F238E27FC236}">
-                <a16:creationId xmlns:a16="http://schemas.microsoft.com/office/drawing/2014/main" xmlns="" id="{A30840FA-3F2D-49CE-B803-E6274BA4A6CE}"/>
+                <a16:creationId xmlns:a16="http://schemas.microsoft.com/office/drawing/2014/main" id="{A30840FA-3F2D-49CE-B803-E6274BA4A6CE}"/>
               </a:ext>
             </a:extLst>
           </p:cNvPr>
@@ -2429,7 +2440,7 @@
             <a:fld id="{210CE358-2A80-4DE8-80CB-E8C8B133AA98}" type="datetimeFigureOut">
               <a:rPr lang="en-US" smtClean="0"/>
               <a:pPr/>
-              <a:t>10/18/2020</a:t>
+              <a:t>10/19/2020</a:t>
             </a:fld>
             <a:endParaRPr lang="en-US"/>
           </a:p>
@@ -2440,7 +2451,7 @@
           <p:cNvPr id="6" name="Footer Placeholder 5">
             <a:extLst>
               <a:ext uri="{FF2B5EF4-FFF2-40B4-BE49-F238E27FC236}">
-                <a16:creationId xmlns:a16="http://schemas.microsoft.com/office/drawing/2014/main" xmlns="" id="{019CF06F-751F-4D58-979C-64315EAD83B2}"/>
+                <a16:creationId xmlns:a16="http://schemas.microsoft.com/office/drawing/2014/main" id="{019CF06F-751F-4D58-979C-64315EAD83B2}"/>
               </a:ext>
             </a:extLst>
           </p:cNvPr>
@@ -2465,7 +2476,7 @@
           <p:cNvPr id="7" name="Slide Number Placeholder 6">
             <a:extLst>
               <a:ext uri="{FF2B5EF4-FFF2-40B4-BE49-F238E27FC236}">
-                <a16:creationId xmlns:a16="http://schemas.microsoft.com/office/drawing/2014/main" xmlns="" id="{7604AE98-2D8F-4C2F-8631-24D6DD288454}"/>
+                <a16:creationId xmlns:a16="http://schemas.microsoft.com/office/drawing/2014/main" id="{7604AE98-2D8F-4C2F-8631-24D6DD288454}"/>
               </a:ext>
             </a:extLst>
           </p:cNvPr>
@@ -2493,7 +2504,7 @@
     </p:spTree>
     <p:extLst>
       <p:ext uri="{BB962C8B-B14F-4D97-AF65-F5344CB8AC3E}">
-        <p14:creationId xmlns:p14="http://schemas.microsoft.com/office/powerpoint/2010/main" xmlns="" val="1017600831"/>
+        <p14:creationId xmlns:p14="http://schemas.microsoft.com/office/powerpoint/2010/main" val="1017600831"/>
       </p:ext>
     </p:extLst>
   </p:cSld>
@@ -2525,7 +2536,7 @@
           <p:cNvPr id="2" name="Title 1">
             <a:extLst>
               <a:ext uri="{FF2B5EF4-FFF2-40B4-BE49-F238E27FC236}">
-                <a16:creationId xmlns:a16="http://schemas.microsoft.com/office/drawing/2014/main" xmlns="" id="{A38261C0-D265-40E3-A6D1-BAD444BEC7AF}"/>
+                <a16:creationId xmlns:a16="http://schemas.microsoft.com/office/drawing/2014/main" id="{A38261C0-D265-40E3-A6D1-BAD444BEC7AF}"/>
               </a:ext>
             </a:extLst>
           </p:cNvPr>
@@ -2562,7 +2573,7 @@
           <p:cNvPr id="3" name="Picture Placeholder 2">
             <a:extLst>
               <a:ext uri="{FF2B5EF4-FFF2-40B4-BE49-F238E27FC236}">
-                <a16:creationId xmlns:a16="http://schemas.microsoft.com/office/drawing/2014/main" xmlns="" id="{6320E75A-018F-45E7-A456-41290719FD63}"/>
+                <a16:creationId xmlns:a16="http://schemas.microsoft.com/office/drawing/2014/main" id="{6320E75A-018F-45E7-A456-41290719FD63}"/>
               </a:ext>
             </a:extLst>
           </p:cNvPr>
@@ -2629,7 +2640,7 @@
           <p:cNvPr id="4" name="Text Placeholder 3">
             <a:extLst>
               <a:ext uri="{FF2B5EF4-FFF2-40B4-BE49-F238E27FC236}">
-                <a16:creationId xmlns:a16="http://schemas.microsoft.com/office/drawing/2014/main" xmlns="" id="{158A6307-3728-40A6-B595-1F192ADF1C23}"/>
+                <a16:creationId xmlns:a16="http://schemas.microsoft.com/office/drawing/2014/main" id="{158A6307-3728-40A6-B595-1F192ADF1C23}"/>
               </a:ext>
             </a:extLst>
           </p:cNvPr>
@@ -2700,7 +2711,7 @@
           <p:cNvPr id="5" name="Date Placeholder 4">
             <a:extLst>
               <a:ext uri="{FF2B5EF4-FFF2-40B4-BE49-F238E27FC236}">
-                <a16:creationId xmlns:a16="http://schemas.microsoft.com/office/drawing/2014/main" xmlns="" id="{BDD9CC30-2281-4715-B508-131AD3B4FD5D}"/>
+                <a16:creationId xmlns:a16="http://schemas.microsoft.com/office/drawing/2014/main" id="{BDD9CC30-2281-4715-B508-131AD3B4FD5D}"/>
               </a:ext>
             </a:extLst>
           </p:cNvPr>
@@ -2719,7 +2730,7 @@
             <a:fld id="{210CE358-2A80-4DE8-80CB-E8C8B133AA98}" type="datetimeFigureOut">
               <a:rPr lang="en-US" smtClean="0"/>
               <a:pPr/>
-              <a:t>10/18/2020</a:t>
+              <a:t>10/19/2020</a:t>
             </a:fld>
             <a:endParaRPr lang="en-US"/>
           </a:p>
@@ -2730,7 +2741,7 @@
           <p:cNvPr id="6" name="Footer Placeholder 5">
             <a:extLst>
               <a:ext uri="{FF2B5EF4-FFF2-40B4-BE49-F238E27FC236}">
-                <a16:creationId xmlns:a16="http://schemas.microsoft.com/office/drawing/2014/main" xmlns="" id="{24D39176-EA2C-4C3D-ACE7-64B6EF81ABB4}"/>
+                <a16:creationId xmlns:a16="http://schemas.microsoft.com/office/drawing/2014/main" id="{24D39176-EA2C-4C3D-ACE7-64B6EF81ABB4}"/>
               </a:ext>
             </a:extLst>
           </p:cNvPr>
@@ -2755,7 +2766,7 @@
           <p:cNvPr id="7" name="Slide Number Placeholder 6">
             <a:extLst>
               <a:ext uri="{FF2B5EF4-FFF2-40B4-BE49-F238E27FC236}">
-                <a16:creationId xmlns:a16="http://schemas.microsoft.com/office/drawing/2014/main" xmlns="" id="{FB4421E5-A551-4609-962E-14A02252BB66}"/>
+                <a16:creationId xmlns:a16="http://schemas.microsoft.com/office/drawing/2014/main" id="{FB4421E5-A551-4609-962E-14A02252BB66}"/>
               </a:ext>
             </a:extLst>
           </p:cNvPr>
@@ -2783,7 +2794,7 @@
     </p:spTree>
     <p:extLst>
       <p:ext uri="{BB962C8B-B14F-4D97-AF65-F5344CB8AC3E}">
-        <p14:creationId xmlns:p14="http://schemas.microsoft.com/office/powerpoint/2010/main" xmlns="" val="1104173405"/>
+        <p14:creationId xmlns:p14="http://schemas.microsoft.com/office/powerpoint/2010/main" val="1104173405"/>
       </p:ext>
     </p:extLst>
   </p:cSld>
@@ -2820,7 +2831,7 @@
           <p:cNvPr id="2" name="Title Placeholder 1">
             <a:extLst>
               <a:ext uri="{FF2B5EF4-FFF2-40B4-BE49-F238E27FC236}">
-                <a16:creationId xmlns:a16="http://schemas.microsoft.com/office/drawing/2014/main" xmlns="" id="{7A55C13F-BD34-4201-A9B3-48DD18FA4AE5}"/>
+                <a16:creationId xmlns:a16="http://schemas.microsoft.com/office/drawing/2014/main" id="{7A55C13F-BD34-4201-A9B3-48DD18FA4AE5}"/>
               </a:ext>
             </a:extLst>
           </p:cNvPr>
@@ -2858,7 +2869,7 @@
           <p:cNvPr id="3" name="Text Placeholder 2">
             <a:extLst>
               <a:ext uri="{FF2B5EF4-FFF2-40B4-BE49-F238E27FC236}">
-                <a16:creationId xmlns:a16="http://schemas.microsoft.com/office/drawing/2014/main" xmlns="" id="{17774A69-970B-413C-BDB7-59FB22AAA126}"/>
+                <a16:creationId xmlns:a16="http://schemas.microsoft.com/office/drawing/2014/main" id="{17774A69-970B-413C-BDB7-59FB22AAA126}"/>
               </a:ext>
             </a:extLst>
           </p:cNvPr>
@@ -2925,7 +2936,7 @@
           <p:cNvPr id="4" name="Date Placeholder 3">
             <a:extLst>
               <a:ext uri="{FF2B5EF4-FFF2-40B4-BE49-F238E27FC236}">
-                <a16:creationId xmlns:a16="http://schemas.microsoft.com/office/drawing/2014/main" xmlns="" id="{5ACD818A-30F1-44C5-9F8D-4D4DFE7ADC98}"/>
+                <a16:creationId xmlns:a16="http://schemas.microsoft.com/office/drawing/2014/main" id="{5ACD818A-30F1-44C5-9F8D-4D4DFE7ADC98}"/>
               </a:ext>
             </a:extLst>
           </p:cNvPr>
@@ -2962,7 +2973,7 @@
             <a:fld id="{210CE358-2A80-4DE8-80CB-E8C8B133AA98}" type="datetimeFigureOut">
               <a:rPr lang="en-US" smtClean="0"/>
               <a:pPr/>
-              <a:t>10/18/2020</a:t>
+              <a:t>10/19/2020</a:t>
             </a:fld>
             <a:endParaRPr lang="en-US"/>
           </a:p>
@@ -2973,7 +2984,7 @@
           <p:cNvPr id="5" name="Footer Placeholder 4">
             <a:extLst>
               <a:ext uri="{FF2B5EF4-FFF2-40B4-BE49-F238E27FC236}">
-                <a16:creationId xmlns:a16="http://schemas.microsoft.com/office/drawing/2014/main" xmlns="" id="{0AFB875F-1ECB-433F-9E9F-30F5991D6B64}"/>
+                <a16:creationId xmlns:a16="http://schemas.microsoft.com/office/drawing/2014/main" id="{0AFB875F-1ECB-433F-9E9F-30F5991D6B64}"/>
               </a:ext>
             </a:extLst>
           </p:cNvPr>
@@ -3016,7 +3027,7 @@
           <p:cNvPr id="6" name="Slide Number Placeholder 5">
             <a:extLst>
               <a:ext uri="{FF2B5EF4-FFF2-40B4-BE49-F238E27FC236}">
-                <a16:creationId xmlns:a16="http://schemas.microsoft.com/office/drawing/2014/main" xmlns="" id="{79B91F2F-953F-4645-ACE4-D510F3C84591}"/>
+                <a16:creationId xmlns:a16="http://schemas.microsoft.com/office/drawing/2014/main" id="{79B91F2F-953F-4645-ACE4-D510F3C84591}"/>
               </a:ext>
             </a:extLst>
           </p:cNvPr>
@@ -3062,7 +3073,7 @@
     </p:spTree>
     <p:extLst>
       <p:ext uri="{BB962C8B-B14F-4D97-AF65-F5344CB8AC3E}">
-        <p14:creationId xmlns:p14="http://schemas.microsoft.com/office/powerpoint/2010/main" xmlns="" val="2718563021"/>
+        <p14:creationId xmlns:p14="http://schemas.microsoft.com/office/powerpoint/2010/main" val="2718563021"/>
       </p:ext>
     </p:extLst>
   </p:cSld>
@@ -3385,7 +3396,7 @@
           <p:cNvPr id="2" name="Title 1">
             <a:extLst>
               <a:ext uri="{FF2B5EF4-FFF2-40B4-BE49-F238E27FC236}">
-                <a16:creationId xmlns:a16="http://schemas.microsoft.com/office/drawing/2014/main" xmlns="" id="{9D4770AB-0B4F-4B35-BE6E-1921A8200B01}"/>
+                <a16:creationId xmlns:a16="http://schemas.microsoft.com/office/drawing/2014/main" id="{9D4770AB-0B4F-4B35-BE6E-1921A8200B01}"/>
               </a:ext>
             </a:extLst>
           </p:cNvPr>
@@ -3403,10 +3414,6 @@
           </a:bodyPr>
           <a:lstStyle/>
           <a:p>
-            <a:r>
-              <a:rPr lang="mk-MK" sz="4400" dirty="0"/>
-              <a:t/>
-            </a:r>
             <a:br>
               <a:rPr lang="mk-MK" sz="4400" dirty="0"/>
             </a:br>
@@ -3423,7 +3430,7 @@
           <p:cNvPr id="3" name="Subtitle 2">
             <a:extLst>
               <a:ext uri="{FF2B5EF4-FFF2-40B4-BE49-F238E27FC236}">
-                <a16:creationId xmlns:a16="http://schemas.microsoft.com/office/drawing/2014/main" xmlns="" id="{D84C5182-5007-443E-9B9C-3200C50DF7B5}"/>
+                <a16:creationId xmlns:a16="http://schemas.microsoft.com/office/drawing/2014/main" id="{D84C5182-5007-443E-9B9C-3200C50DF7B5}"/>
               </a:ext>
             </a:extLst>
           </p:cNvPr>
@@ -3488,7 +3495,7 @@
           <p:cNvPr id="7" name="Picture 6" descr="A picture containing drawing&#10;&#10;Description automatically generated">
             <a:extLst>
               <a:ext uri="{FF2B5EF4-FFF2-40B4-BE49-F238E27FC236}">
-                <a16:creationId xmlns:a16="http://schemas.microsoft.com/office/drawing/2014/main" xmlns="" id="{F8F8E762-B8B3-4626-83AF-241151BC0525}"/>
+                <a16:creationId xmlns:a16="http://schemas.microsoft.com/office/drawing/2014/main" id="{F8F8E762-B8B3-4626-83AF-241151BC0525}"/>
               </a:ext>
             </a:extLst>
           </p:cNvPr>
@@ -3501,7 +3508,7 @@
           <a:blip r:embed="rId2">
             <a:extLst>
               <a:ext uri="{28A0092B-C50C-407E-A947-70E740481C1C}">
-                <a14:useLocalDpi xmlns:a14="http://schemas.microsoft.com/office/drawing/2010/main" xmlns="" val="0"/>
+                <a14:useLocalDpi xmlns:a14="http://schemas.microsoft.com/office/drawing/2010/main" val="0"/>
               </a:ext>
             </a:extLst>
           </a:blip>
@@ -3522,7 +3529,7 @@
     </p:spTree>
     <p:extLst>
       <p:ext uri="{BB962C8B-B14F-4D97-AF65-F5344CB8AC3E}">
-        <p14:creationId xmlns:p14="http://schemas.microsoft.com/office/powerpoint/2010/main" xmlns="" val="527622731"/>
+        <p14:creationId xmlns:p14="http://schemas.microsoft.com/office/powerpoint/2010/main" val="527622731"/>
       </p:ext>
     </p:extLst>
   </p:cSld>
@@ -3562,10 +3569,10 @@
           <p:cNvPr id="32" name="Rectangle 31">
             <a:extLst>
               <a:ext uri="{FF2B5EF4-FFF2-40B4-BE49-F238E27FC236}">
-                <a16:creationId xmlns:a16="http://schemas.microsoft.com/office/drawing/2014/main" xmlns="" id="{022BDE4A-8A20-4A69-9C5A-581C82036A4D}"/>
+                <a16:creationId xmlns:a16="http://schemas.microsoft.com/office/drawing/2014/main" id="{022BDE4A-8A20-4A69-9C5A-581C82036A4D}"/>
               </a:ext>
               <a:ext uri="{C183D7F6-B498-43B3-948B-1728B52AA6E4}">
-                <adec:decorative xmlns:adec="http://schemas.microsoft.com/office/drawing/2017/decorative" xmlns="" val="1"/>
+                <adec:decorative xmlns:adec="http://schemas.microsoft.com/office/drawing/2017/decorative" val="1"/>
               </a:ext>
             </a:extLst>
           </p:cNvPr>
@@ -3575,7 +3582,7 @@
           <p:nvPr>
             <p:extLst>
               <p:ext uri="{386F3935-93C4-4BCD-93E2-E3B085C9AB24}">
-                <p16:designElem xmlns:p16="http://schemas.microsoft.com/office/powerpoint/2015/main" xmlns="" val="1"/>
+                <p16:designElem xmlns:p16="http://schemas.microsoft.com/office/powerpoint/2015/main" val="1"/>
               </p:ext>
             </p:extLst>
           </p:nvPr>
@@ -3622,7 +3629,7 @@
           <p:cNvPr id="2" name="Title 1">
             <a:extLst>
               <a:ext uri="{FF2B5EF4-FFF2-40B4-BE49-F238E27FC236}">
-                <a16:creationId xmlns:a16="http://schemas.microsoft.com/office/drawing/2014/main" xmlns="" id="{A4CB4F2D-9616-49F9-A681-9C94E8890229}"/>
+                <a16:creationId xmlns:a16="http://schemas.microsoft.com/office/drawing/2014/main" id="{A4CB4F2D-9616-49F9-A681-9C94E8890229}"/>
               </a:ext>
             </a:extLst>
           </p:cNvPr>
@@ -3686,7 +3693,7 @@
           <p:cNvPr id="7" name="Content Placeholder 6" descr="Table&#10;&#10;Description automatically generated">
             <a:extLst>
               <a:ext uri="{FF2B5EF4-FFF2-40B4-BE49-F238E27FC236}">
-                <a16:creationId xmlns:a16="http://schemas.microsoft.com/office/drawing/2014/main" xmlns="" id="{7DC8DF9D-DFCB-4F37-AB90-71A35B709346}"/>
+                <a16:creationId xmlns:a16="http://schemas.microsoft.com/office/drawing/2014/main" id="{7DC8DF9D-DFCB-4F37-AB90-71A35B709346}"/>
               </a:ext>
             </a:extLst>
           </p:cNvPr>
@@ -3701,7 +3708,7 @@
           <a:blip r:embed="rId2">
             <a:extLst>
               <a:ext uri="{28A0092B-C50C-407E-A947-70E740481C1C}">
-                <a14:useLocalDpi xmlns:a14="http://schemas.microsoft.com/office/drawing/2010/main" xmlns="" val="0"/>
+                <a14:useLocalDpi xmlns:a14="http://schemas.microsoft.com/office/drawing/2010/main" val="0"/>
               </a:ext>
             </a:extLst>
           </a:blip>
@@ -3723,7 +3730,7 @@
           <p:cNvPr id="8" name="Title 1">
             <a:extLst>
               <a:ext uri="{FF2B5EF4-FFF2-40B4-BE49-F238E27FC236}">
-                <a16:creationId xmlns:a16="http://schemas.microsoft.com/office/drawing/2014/main" xmlns="" id="{739B1B81-11E7-4F27-A93D-71D94F463FA3}"/>
+                <a16:creationId xmlns:a16="http://schemas.microsoft.com/office/drawing/2014/main" id="{739B1B81-11E7-4F27-A93D-71D94F463FA3}"/>
               </a:ext>
             </a:extLst>
           </p:cNvPr>
@@ -3778,7 +3785,7 @@
           <p:cNvPr id="4" name="TextBox 3">
             <a:extLst>
               <a:ext uri="{FF2B5EF4-FFF2-40B4-BE49-F238E27FC236}">
-                <a16:creationId xmlns:a16="http://schemas.microsoft.com/office/drawing/2014/main" xmlns="" id="{858F51C7-C151-4599-A13F-2C40C9167B6F}"/>
+                <a16:creationId xmlns:a16="http://schemas.microsoft.com/office/drawing/2014/main" id="{858F51C7-C151-4599-A13F-2C40C9167B6F}"/>
               </a:ext>
             </a:extLst>
           </p:cNvPr>
@@ -3817,7 +3824,7 @@
           <p:cNvPr id="6" name="Picture 5" descr="Table&#10;&#10;Description automatically generated">
             <a:extLst>
               <a:ext uri="{FF2B5EF4-FFF2-40B4-BE49-F238E27FC236}">
-                <a16:creationId xmlns:a16="http://schemas.microsoft.com/office/drawing/2014/main" xmlns="" id="{6723ED6B-25EB-4389-B71C-499751563859}"/>
+                <a16:creationId xmlns:a16="http://schemas.microsoft.com/office/drawing/2014/main" id="{6723ED6B-25EB-4389-B71C-499751563859}"/>
               </a:ext>
             </a:extLst>
           </p:cNvPr>
@@ -3830,7 +3837,7 @@
           <a:blip r:embed="rId3" cstate="print">
             <a:extLst>
               <a:ext uri="{28A0092B-C50C-407E-A947-70E740481C1C}">
-                <a14:useLocalDpi xmlns:a14="http://schemas.microsoft.com/office/drawing/2010/main" xmlns="" val="0"/>
+                <a14:useLocalDpi xmlns:a14="http://schemas.microsoft.com/office/drawing/2010/main" val="0"/>
               </a:ext>
             </a:extLst>
           </a:blip>
@@ -3851,7 +3858,7 @@
     </p:spTree>
     <p:extLst>
       <p:ext uri="{BB962C8B-B14F-4D97-AF65-F5344CB8AC3E}">
-        <p14:creationId xmlns:p14="http://schemas.microsoft.com/office/powerpoint/2010/main" xmlns="" val="2171799061"/>
+        <p14:creationId xmlns:p14="http://schemas.microsoft.com/office/powerpoint/2010/main" val="2171799061"/>
       </p:ext>
     </p:extLst>
   </p:cSld>
@@ -3894,7 +3901,7 @@
           <a:lstStyle/>
           <a:p>
             <a:r>
-              <a:rPr lang="mk-MK" dirty="0" smtClean="0"/>
+              <a:rPr lang="mk-MK" dirty="0"/>
               <a:t>Изглед на податочното множество пред да почнеме со класификација</a:t>
             </a:r>
             <a:endParaRPr lang="en-US" dirty="0"/>
@@ -3951,7 +3958,7 @@
           <a:lstStyle/>
           <a:p>
             <a:r>
-              <a:rPr lang="mk-MK" sz="2600" dirty="0" smtClean="0"/>
+              <a:rPr lang="mk-MK" sz="2600" dirty="0"/>
               <a:t>Го поделивме податочното множество на тренирачко(80%)  и тестирачко(20%)</a:t>
             </a:r>
             <a:endParaRPr lang="en-US" sz="2600" dirty="0"/>
@@ -3988,7 +3995,7 @@
           <p:cNvPr id="2" name="Title 1">
             <a:extLst>
               <a:ext uri="{FF2B5EF4-FFF2-40B4-BE49-F238E27FC236}">
-                <a16:creationId xmlns:a16="http://schemas.microsoft.com/office/drawing/2014/main" xmlns="" id="{CC44E0F3-00DB-4549-A00B-3EBFC354AE9E}"/>
+                <a16:creationId xmlns:a16="http://schemas.microsoft.com/office/drawing/2014/main" id="{CC44E0F3-00DB-4549-A00B-3EBFC354AE9E}"/>
               </a:ext>
             </a:extLst>
           </p:cNvPr>
@@ -4017,7 +4024,7 @@
           <p:cNvPr id="3" name="Content Placeholder 2">
             <a:extLst>
               <a:ext uri="{FF2B5EF4-FFF2-40B4-BE49-F238E27FC236}">
-                <a16:creationId xmlns:a16="http://schemas.microsoft.com/office/drawing/2014/main" xmlns="" id="{8465A27E-0271-4866-9869-950685496292}"/>
+                <a16:creationId xmlns:a16="http://schemas.microsoft.com/office/drawing/2014/main" id="{8465A27E-0271-4866-9869-950685496292}"/>
               </a:ext>
             </a:extLst>
           </p:cNvPr>
@@ -4085,14 +4092,14 @@
             </a:br>
             <a:r>
               <a:rPr lang="en-US" sz="2600" dirty="0"/>
-              <a:t>[[ TN FP ]</a:t>
+              <a:t>[[ TP FN ]</a:t>
             </a:r>
             <a:br>
               <a:rPr lang="en-US" sz="2600" dirty="0"/>
             </a:br>
             <a:r>
               <a:rPr lang="en-US" sz="2600" dirty="0"/>
-              <a:t>[ FN TP ]]</a:t>
+              <a:t>[ FP TN ]]</a:t>
             </a:r>
             <a:endParaRPr lang="mk-MK" sz="2600" dirty="0"/>
           </a:p>
@@ -4129,7 +4136,7 @@
     </p:spTree>
     <p:extLst>
       <p:ext uri="{BB962C8B-B14F-4D97-AF65-F5344CB8AC3E}">
-        <p14:creationId xmlns:p14="http://schemas.microsoft.com/office/powerpoint/2010/main" xmlns="" val="2951755969"/>
+        <p14:creationId xmlns:p14="http://schemas.microsoft.com/office/powerpoint/2010/main" val="2951755969"/>
       </p:ext>
     </p:extLst>
   </p:cSld>
@@ -4161,7 +4168,7 @@
           <p:cNvPr id="2" name="Title 1">
             <a:extLst>
               <a:ext uri="{FF2B5EF4-FFF2-40B4-BE49-F238E27FC236}">
-                <a16:creationId xmlns:a16="http://schemas.microsoft.com/office/drawing/2014/main" xmlns="" id="{717340EE-E5BD-40F8-BF64-159E78A0D64B}"/>
+                <a16:creationId xmlns:a16="http://schemas.microsoft.com/office/drawing/2014/main" id="{717340EE-E5BD-40F8-BF64-159E78A0D64B}"/>
               </a:ext>
             </a:extLst>
           </p:cNvPr>
@@ -4196,7 +4203,7 @@
           <p:cNvPr id="3" name="Content Placeholder 2">
             <a:extLst>
               <a:ext uri="{FF2B5EF4-FFF2-40B4-BE49-F238E27FC236}">
-                <a16:creationId xmlns:a16="http://schemas.microsoft.com/office/drawing/2014/main" xmlns="" id="{47DA8B80-4DCC-4591-877E-16A9C65FCE79}"/>
+                <a16:creationId xmlns:a16="http://schemas.microsoft.com/office/drawing/2014/main" id="{47DA8B80-4DCC-4591-877E-16A9C65FCE79}"/>
               </a:ext>
             </a:extLst>
           </p:cNvPr>
@@ -4273,7 +4280,7 @@
           <p:cNvPr id="5" name="Picture 4" descr="Chart, line chart&#10;&#10;Description automatically generated">
             <a:extLst>
               <a:ext uri="{FF2B5EF4-FFF2-40B4-BE49-F238E27FC236}">
-                <a16:creationId xmlns:a16="http://schemas.microsoft.com/office/drawing/2014/main" xmlns="" id="{74D9EACE-F183-4812-B165-4ED13A61BD56}"/>
+                <a16:creationId xmlns:a16="http://schemas.microsoft.com/office/drawing/2014/main" id="{74D9EACE-F183-4812-B165-4ED13A61BD56}"/>
               </a:ext>
             </a:extLst>
           </p:cNvPr>
@@ -4303,7 +4310,7 @@
           <p:cNvPr id="6" name="Content Placeholder 8" descr="Chart, line chart&#10;&#10;Description automatically generated">
             <a:extLst>
               <a:ext uri="{FF2B5EF4-FFF2-40B4-BE49-F238E27FC236}">
-                <a16:creationId xmlns:a16="http://schemas.microsoft.com/office/drawing/2014/main" xmlns="" id="{E62E73DF-8396-4324-A36E-D631108D6145}"/>
+                <a16:creationId xmlns:a16="http://schemas.microsoft.com/office/drawing/2014/main" id="{E62E73DF-8396-4324-A36E-D631108D6145}"/>
               </a:ext>
             </a:extLst>
           </p:cNvPr>
@@ -4331,7 +4338,7 @@
     </p:spTree>
     <p:extLst>
       <p:ext uri="{BB962C8B-B14F-4D97-AF65-F5344CB8AC3E}">
-        <p14:creationId xmlns:p14="http://schemas.microsoft.com/office/powerpoint/2010/main" xmlns="" val="3103871962"/>
+        <p14:creationId xmlns:p14="http://schemas.microsoft.com/office/powerpoint/2010/main" val="3103871962"/>
       </p:ext>
     </p:extLst>
   </p:cSld>
@@ -4414,7 +4421,7 @@
           <p:cNvPr id="7" name="Content Placeholder 6" descr="Graphical user interface&#10;&#10;Description automatically generated">
             <a:extLst>
               <a:ext uri="{FF2B5EF4-FFF2-40B4-BE49-F238E27FC236}">
-                <a16:creationId xmlns:a16="http://schemas.microsoft.com/office/drawing/2014/main" xmlns="" id="{BF7F5FFD-9AEC-481C-8D87-C0CD2A540E2B}"/>
+                <a16:creationId xmlns:a16="http://schemas.microsoft.com/office/drawing/2014/main" id="{BF7F5FFD-9AEC-481C-8D87-C0CD2A540E2B}"/>
               </a:ext>
             </a:extLst>
           </p:cNvPr>
@@ -4429,7 +4436,7 @@
           <a:blip r:embed="rId2">
             <a:extLst>
               <a:ext uri="{28A0092B-C50C-407E-A947-70E740481C1C}">
-                <a14:useLocalDpi xmlns:a14="http://schemas.microsoft.com/office/drawing/2010/main" xmlns="" val="0"/>
+                <a14:useLocalDpi xmlns:a14="http://schemas.microsoft.com/office/drawing/2010/main" val="0"/>
               </a:ext>
             </a:extLst>
           </a:blip>
@@ -4561,10 +4568,6 @@
             <a:pPr marL="0" indent="0">
               <a:buNone/>
             </a:pPr>
-            <a:r>
-              <a:rPr lang="en-US" sz="2600" dirty="0"/>
-              <a:t/>
-            </a:r>
             <a:br>
               <a:rPr lang="en-US" sz="2600" dirty="0"/>
             </a:br>
@@ -4611,7 +4614,7 @@
           <p:cNvPr id="9" name="Content Placeholder 8" descr="A picture containing graphical user interface&#10;&#10;Description automatically generated">
             <a:extLst>
               <a:ext uri="{FF2B5EF4-FFF2-40B4-BE49-F238E27FC236}">
-                <a16:creationId xmlns:a16="http://schemas.microsoft.com/office/drawing/2014/main" xmlns="" id="{36EBE899-B9CC-4C50-856B-F51AD14FFCAF}"/>
+                <a16:creationId xmlns:a16="http://schemas.microsoft.com/office/drawing/2014/main" id="{36EBE899-B9CC-4C50-856B-F51AD14FFCAF}"/>
               </a:ext>
             </a:extLst>
           </p:cNvPr>
@@ -4626,7 +4629,7 @@
           <a:blip r:embed="rId2">
             <a:extLst>
               <a:ext uri="{28A0092B-C50C-407E-A947-70E740481C1C}">
-                <a14:useLocalDpi xmlns:a14="http://schemas.microsoft.com/office/drawing/2010/main" xmlns="" val="0"/>
+                <a14:useLocalDpi xmlns:a14="http://schemas.microsoft.com/office/drawing/2010/main" val="0"/>
               </a:ext>
             </a:extLst>
           </a:blip>
@@ -4671,7 +4674,7 @@
           <p:cNvPr id="2" name="Title 1">
             <a:extLst>
               <a:ext uri="{FF2B5EF4-FFF2-40B4-BE49-F238E27FC236}">
-                <a16:creationId xmlns:a16="http://schemas.microsoft.com/office/drawing/2014/main" xmlns="" id="{3558917E-1E3A-4E02-8413-3B48F7054C90}"/>
+                <a16:creationId xmlns:a16="http://schemas.microsoft.com/office/drawing/2014/main" id="{3558917E-1E3A-4E02-8413-3B48F7054C90}"/>
               </a:ext>
             </a:extLst>
           </p:cNvPr>
@@ -4700,7 +4703,7 @@
           <p:cNvPr id="5" name="Content Placeholder 4" descr="Chart&#10;&#10;Description automatically generated">
             <a:extLst>
               <a:ext uri="{FF2B5EF4-FFF2-40B4-BE49-F238E27FC236}">
-                <a16:creationId xmlns:a16="http://schemas.microsoft.com/office/drawing/2014/main" xmlns="" id="{47109BB7-0EE5-4D2A-885B-E70618F3D69D}"/>
+                <a16:creationId xmlns:a16="http://schemas.microsoft.com/office/drawing/2014/main" id="{47109BB7-0EE5-4D2A-885B-E70618F3D69D}"/>
               </a:ext>
             </a:extLst>
           </p:cNvPr>
@@ -4727,7 +4730,7 @@
     </p:spTree>
     <p:extLst>
       <p:ext uri="{BB962C8B-B14F-4D97-AF65-F5344CB8AC3E}">
-        <p14:creationId xmlns:p14="http://schemas.microsoft.com/office/powerpoint/2010/main" xmlns="" val="1259075181"/>
+        <p14:creationId xmlns:p14="http://schemas.microsoft.com/office/powerpoint/2010/main" val="1259075181"/>
       </p:ext>
     </p:extLst>
   </p:cSld>
@@ -4759,7 +4762,7 @@
           <p:cNvPr id="2" name="Title 1">
             <a:extLst>
               <a:ext uri="{FF2B5EF4-FFF2-40B4-BE49-F238E27FC236}">
-                <a16:creationId xmlns:a16="http://schemas.microsoft.com/office/drawing/2014/main" xmlns="" id="{39C3C11F-D6C1-498B-A2BE-ECC39F5701FE}"/>
+                <a16:creationId xmlns:a16="http://schemas.microsoft.com/office/drawing/2014/main" id="{39C3C11F-D6C1-498B-A2BE-ECC39F5701FE}"/>
               </a:ext>
             </a:extLst>
           </p:cNvPr>
@@ -4788,7 +4791,7 @@
           <p:cNvPr id="4" name="Content Placeholder 4" descr="Chart, line chart&#10;&#10;Description automatically generated">
             <a:extLst>
               <a:ext uri="{FF2B5EF4-FFF2-40B4-BE49-F238E27FC236}">
-                <a16:creationId xmlns:a16="http://schemas.microsoft.com/office/drawing/2014/main" xmlns="" id="{EF4BB78D-E74E-4E89-97C5-E140F2366EB1}"/>
+                <a16:creationId xmlns:a16="http://schemas.microsoft.com/office/drawing/2014/main" id="{EF4BB78D-E74E-4E89-97C5-E140F2366EB1}"/>
               </a:ext>
             </a:extLst>
           </p:cNvPr>
@@ -4818,7 +4821,7 @@
     </p:spTree>
     <p:extLst>
       <p:ext uri="{BB962C8B-B14F-4D97-AF65-F5344CB8AC3E}">
-        <p14:creationId xmlns:p14="http://schemas.microsoft.com/office/powerpoint/2010/main" xmlns="" val="3632196597"/>
+        <p14:creationId xmlns:p14="http://schemas.microsoft.com/office/powerpoint/2010/main" val="3632196597"/>
       </p:ext>
     </p:extLst>
   </p:cSld>
@@ -4850,7 +4853,7 @@
           <p:cNvPr id="2" name="Title 1">
             <a:extLst>
               <a:ext uri="{FF2B5EF4-FFF2-40B4-BE49-F238E27FC236}">
-                <a16:creationId xmlns:a16="http://schemas.microsoft.com/office/drawing/2014/main" xmlns="" id="{D1C2FFA0-8028-4E55-895F-BAB9FAD9D294}"/>
+                <a16:creationId xmlns:a16="http://schemas.microsoft.com/office/drawing/2014/main" id="{D1C2FFA0-8028-4E55-895F-BAB9FAD9D294}"/>
               </a:ext>
             </a:extLst>
           </p:cNvPr>
@@ -4878,7 +4881,7 @@
           <p:cNvPr id="3" name="Content Placeholder 2">
             <a:extLst>
               <a:ext uri="{FF2B5EF4-FFF2-40B4-BE49-F238E27FC236}">
-                <a16:creationId xmlns:a16="http://schemas.microsoft.com/office/drawing/2014/main" xmlns="" id="{607FFDAF-462B-4C29-B7B6-2E34DAD25F00}"/>
+                <a16:creationId xmlns:a16="http://schemas.microsoft.com/office/drawing/2014/main" id="{607FFDAF-462B-4C29-B7B6-2E34DAD25F00}"/>
               </a:ext>
             </a:extLst>
           </p:cNvPr>
@@ -4932,15 +4935,7 @@
             </a:r>
             <a:r>
               <a:rPr lang="mk-MK" sz="2600" dirty="0"/>
-              <a:t>, која работи така што прави соодветни комбинации на додавање на дополнителни записи за </a:t>
-            </a:r>
-            <a:r>
-              <a:rPr lang="mk-MK" sz="2600" dirty="0" smtClean="0"/>
-              <a:t>минорната класата, </a:t>
-            </a:r>
-            <a:r>
-              <a:rPr lang="mk-MK" sz="2600" dirty="0"/>
-              <a:t>во сучајов </a:t>
+              <a:t>, која работи така што прави соодветни комбинации на додавање на дополнителни записи за минорната класата, во случајов </a:t>
             </a:r>
             <a:r>
               <a:rPr lang="en-US" sz="2600" dirty="0"/>
@@ -4956,23 +4951,23 @@
           </a:p>
           <a:p>
             <a:r>
-              <a:rPr lang="mk-MK" sz="2600" dirty="0" smtClean="0"/>
+              <a:rPr lang="mk-MK" sz="2600" dirty="0"/>
               <a:t>Сега имаме вкупно 1806 инстанци, половина од класата </a:t>
             </a:r>
             <a:r>
-              <a:rPr lang="en-US" sz="2600" dirty="0" smtClean="0"/>
+              <a:rPr lang="en-US" sz="2600" dirty="0"/>
               <a:t>False </a:t>
             </a:r>
             <a:r>
-              <a:rPr lang="mk-MK" sz="2600" dirty="0" smtClean="0"/>
+              <a:rPr lang="mk-MK" sz="2600" dirty="0"/>
               <a:t>и половина од класата </a:t>
             </a:r>
             <a:r>
-              <a:rPr lang="en-US" sz="2600" dirty="0" smtClean="0"/>
+              <a:rPr lang="en-US" sz="2600" dirty="0"/>
               <a:t>True</a:t>
             </a:r>
             <a:r>
-              <a:rPr lang="mk-MK" sz="2600" dirty="0" smtClean="0"/>
+              <a:rPr lang="mk-MK" sz="2600" dirty="0"/>
               <a:t>.</a:t>
             </a:r>
             <a:endParaRPr lang="en-US" sz="2600" dirty="0"/>
@@ -4982,7 +4977,7 @@
     </p:spTree>
     <p:extLst>
       <p:ext uri="{BB962C8B-B14F-4D97-AF65-F5344CB8AC3E}">
-        <p14:creationId xmlns:p14="http://schemas.microsoft.com/office/powerpoint/2010/main" xmlns="" val="2168407812"/>
+        <p14:creationId xmlns:p14="http://schemas.microsoft.com/office/powerpoint/2010/main" val="2168407812"/>
       </p:ext>
     </p:extLst>
   </p:cSld>
@@ -5014,7 +5009,7 @@
           <p:cNvPr id="2" name="Title 1">
             <a:extLst>
               <a:ext uri="{FF2B5EF4-FFF2-40B4-BE49-F238E27FC236}">
-                <a16:creationId xmlns:a16="http://schemas.microsoft.com/office/drawing/2014/main" xmlns="" id="{D05D219C-D2C5-4C71-88E5-19AD920AACD6}"/>
+                <a16:creationId xmlns:a16="http://schemas.microsoft.com/office/drawing/2014/main" id="{D05D219C-D2C5-4C71-88E5-19AD920AACD6}"/>
               </a:ext>
             </a:extLst>
           </p:cNvPr>
@@ -5154,11 +5149,7 @@
             </a:pPr>
             <a:r>
               <a:rPr lang="en-US" sz="2600" dirty="0"/>
-              <a:t>Bagged Decision </a:t>
-            </a:r>
-            <a:r>
-              <a:rPr lang="en-US" sz="2600" dirty="0" smtClean="0"/>
-              <a:t>Trees</a:t>
+              <a:t>Bagged Decision Trees</a:t>
             </a:r>
           </a:p>
           <a:p>
@@ -5167,7 +5158,7 @@
               <a:buChar char="•"/>
             </a:pPr>
             <a:r>
-              <a:rPr lang="en-US" sz="2600" dirty="0" smtClean="0"/>
+              <a:rPr lang="en-US" sz="2600" dirty="0"/>
               <a:t>Bagged SVC</a:t>
             </a:r>
             <a:endParaRPr lang="mk-MK" sz="2600" dirty="0"/>
@@ -5237,7 +5228,7 @@
     </p:spTree>
     <p:extLst>
       <p:ext uri="{BB962C8B-B14F-4D97-AF65-F5344CB8AC3E}">
-        <p14:creationId xmlns:p14="http://schemas.microsoft.com/office/powerpoint/2010/main" xmlns="" val="3996935534"/>
+        <p14:creationId xmlns:p14="http://schemas.microsoft.com/office/powerpoint/2010/main" val="3996935534"/>
       </p:ext>
     </p:extLst>
   </p:cSld>
@@ -5269,7 +5260,7 @@
           <p:cNvPr id="2" name="Title 1">
             <a:extLst>
               <a:ext uri="{FF2B5EF4-FFF2-40B4-BE49-F238E27FC236}">
-                <a16:creationId xmlns:a16="http://schemas.microsoft.com/office/drawing/2014/main" xmlns="" id="{4DFCFE7E-50C5-4094-A6C4-0BF775244C2F}"/>
+                <a16:creationId xmlns:a16="http://schemas.microsoft.com/office/drawing/2014/main" id="{4DFCFE7E-50C5-4094-A6C4-0BF775244C2F}"/>
               </a:ext>
             </a:extLst>
           </p:cNvPr>
@@ -5298,7 +5289,7 @@
           <p:cNvPr id="3" name="Content Placeholder 2">
             <a:extLst>
               <a:ext uri="{FF2B5EF4-FFF2-40B4-BE49-F238E27FC236}">
-                <a16:creationId xmlns:a16="http://schemas.microsoft.com/office/drawing/2014/main" xmlns="" id="{936EE569-FE44-4AE1-9978-3BD1DD4B7DD9}"/>
+                <a16:creationId xmlns:a16="http://schemas.microsoft.com/office/drawing/2014/main" id="{936EE569-FE44-4AE1-9978-3BD1DD4B7DD9}"/>
               </a:ext>
             </a:extLst>
           </p:cNvPr>
@@ -5349,7 +5340,7 @@
           <p:cNvPr id="8" name="Table 8">
             <a:extLst>
               <a:ext uri="{FF2B5EF4-FFF2-40B4-BE49-F238E27FC236}">
-                <a16:creationId xmlns:a16="http://schemas.microsoft.com/office/drawing/2014/main" xmlns="" id="{6D2F50CB-2FAD-4C82-AEE0-27F020DF8D3C}"/>
+                <a16:creationId xmlns:a16="http://schemas.microsoft.com/office/drawing/2014/main" id="{6D2F50CB-2FAD-4C82-AEE0-27F020DF8D3C}"/>
               </a:ext>
             </a:extLst>
           </p:cNvPr>
@@ -5359,7 +5350,7 @@
           <p:nvPr>
             <p:extLst>
               <p:ext uri="{D42A27DB-BD31-4B8C-83A1-F6EECF244321}">
-                <p14:modId xmlns:p14="http://schemas.microsoft.com/office/powerpoint/2010/main" xmlns="" val="1219961254"/>
+                <p14:modId xmlns:p14="http://schemas.microsoft.com/office/powerpoint/2010/main" val="1219961254"/>
               </p:ext>
             </p:extLst>
           </p:nvPr>
@@ -5378,14 +5369,14 @@
                 <a:gridCol w="4861882">
                   <a:extLst>
                     <a:ext uri="{9D8B030D-6E8A-4147-A177-3AD203B41FA5}">
-                      <a16:colId xmlns:a16="http://schemas.microsoft.com/office/drawing/2014/main" xmlns="" val="3975868571"/>
+                      <a16:colId xmlns:a16="http://schemas.microsoft.com/office/drawing/2014/main" val="3975868571"/>
                     </a:ext>
                   </a:extLst>
                 </a:gridCol>
                 <a:gridCol w="4861882">
                   <a:extLst>
                     <a:ext uri="{9D8B030D-6E8A-4147-A177-3AD203B41FA5}">
-                      <a16:colId xmlns:a16="http://schemas.microsoft.com/office/drawing/2014/main" xmlns="" val="1828897862"/>
+                      <a16:colId xmlns:a16="http://schemas.microsoft.com/office/drawing/2014/main" val="1828897862"/>
                     </a:ext>
                   </a:extLst>
                 </a:gridCol>
@@ -5418,7 +5409,7 @@
                 </a:tc>
                 <a:extLst>
                   <a:ext uri="{0D108BD9-81ED-4DB2-BD59-A6C34878D82A}">
-                    <a16:rowId xmlns:a16="http://schemas.microsoft.com/office/drawing/2014/main" xmlns="" val="3200984418"/>
+                    <a16:rowId xmlns:a16="http://schemas.microsoft.com/office/drawing/2014/main" val="3200984418"/>
                   </a:ext>
                 </a:extLst>
               </a:tr>
@@ -5453,7 +5444,7 @@
                 </a:tc>
                 <a:extLst>
                   <a:ext uri="{0D108BD9-81ED-4DB2-BD59-A6C34878D82A}">
-                    <a16:rowId xmlns:a16="http://schemas.microsoft.com/office/drawing/2014/main" xmlns="" val="2361002450"/>
+                    <a16:rowId xmlns:a16="http://schemas.microsoft.com/office/drawing/2014/main" val="2361002450"/>
                   </a:ext>
                 </a:extLst>
               </a:tr>
@@ -5504,7 +5495,7 @@
                 </a:tc>
                 <a:extLst>
                   <a:ext uri="{0D108BD9-81ED-4DB2-BD59-A6C34878D82A}">
-                    <a16:rowId xmlns:a16="http://schemas.microsoft.com/office/drawing/2014/main" xmlns="" val="22235576"/>
+                    <a16:rowId xmlns:a16="http://schemas.microsoft.com/office/drawing/2014/main" val="22235576"/>
                   </a:ext>
                 </a:extLst>
               </a:tr>
@@ -5580,7 +5571,7 @@
                 </a:tc>
                 <a:extLst>
                   <a:ext uri="{0D108BD9-81ED-4DB2-BD59-A6C34878D82A}">
-                    <a16:rowId xmlns:a16="http://schemas.microsoft.com/office/drawing/2014/main" xmlns="" val="3400565824"/>
+                    <a16:rowId xmlns:a16="http://schemas.microsoft.com/office/drawing/2014/main" val="3400565824"/>
                   </a:ext>
                 </a:extLst>
               </a:tr>
@@ -5631,7 +5622,7 @@
                 </a:tc>
                 <a:extLst>
                   <a:ext uri="{0D108BD9-81ED-4DB2-BD59-A6C34878D82A}">
-                    <a16:rowId xmlns:a16="http://schemas.microsoft.com/office/drawing/2014/main" xmlns="" val="3716631199"/>
+                    <a16:rowId xmlns:a16="http://schemas.microsoft.com/office/drawing/2014/main" val="3716631199"/>
                   </a:ext>
                 </a:extLst>
               </a:tr>
@@ -5666,7 +5657,7 @@
                 </a:tc>
                 <a:extLst>
                   <a:ext uri="{0D108BD9-81ED-4DB2-BD59-A6C34878D82A}">
-                    <a16:rowId xmlns:a16="http://schemas.microsoft.com/office/drawing/2014/main" xmlns="" val="3758198324"/>
+                    <a16:rowId xmlns:a16="http://schemas.microsoft.com/office/drawing/2014/main" val="3758198324"/>
                   </a:ext>
                 </a:extLst>
               </a:tr>
@@ -5755,7 +5746,7 @@
                 </a:tc>
                 <a:extLst>
                   <a:ext uri="{0D108BD9-81ED-4DB2-BD59-A6C34878D82A}">
-                    <a16:rowId xmlns:a16="http://schemas.microsoft.com/office/drawing/2014/main" xmlns="" val="1854303575"/>
+                    <a16:rowId xmlns:a16="http://schemas.microsoft.com/office/drawing/2014/main" val="1854303575"/>
                   </a:ext>
                 </a:extLst>
               </a:tr>
@@ -5786,7 +5777,7 @@
                 </a:tc>
                 <a:extLst>
                   <a:ext uri="{0D108BD9-81ED-4DB2-BD59-A6C34878D82A}">
-                    <a16:rowId xmlns:a16="http://schemas.microsoft.com/office/drawing/2014/main" xmlns="" val="2988284687"/>
+                    <a16:rowId xmlns:a16="http://schemas.microsoft.com/office/drawing/2014/main" val="2988284687"/>
                   </a:ext>
                 </a:extLst>
               </a:tr>
@@ -5797,7 +5788,7 @@
     </p:spTree>
     <p:extLst>
       <p:ext uri="{BB962C8B-B14F-4D97-AF65-F5344CB8AC3E}">
-        <p14:creationId xmlns:p14="http://schemas.microsoft.com/office/powerpoint/2010/main" xmlns="" val="791403587"/>
+        <p14:creationId xmlns:p14="http://schemas.microsoft.com/office/powerpoint/2010/main" val="791403587"/>
       </p:ext>
     </p:extLst>
   </p:cSld>
@@ -5829,7 +5820,7 @@
           <p:cNvPr id="2" name="Title 1">
             <a:extLst>
               <a:ext uri="{FF2B5EF4-FFF2-40B4-BE49-F238E27FC236}">
-                <a16:creationId xmlns:a16="http://schemas.microsoft.com/office/drawing/2014/main" xmlns="" id="{D985254C-3241-4DC5-BE88-F9B406A7D101}"/>
+                <a16:creationId xmlns:a16="http://schemas.microsoft.com/office/drawing/2014/main" id="{D985254C-3241-4DC5-BE88-F9B406A7D101}"/>
               </a:ext>
             </a:extLst>
           </p:cNvPr>
@@ -5862,7 +5853,7 @@
           <p:cNvPr id="5" name="Content Placeholder 4" descr="Shape, polygon&#10;&#10;Description automatically generated">
             <a:extLst>
               <a:ext uri="{FF2B5EF4-FFF2-40B4-BE49-F238E27FC236}">
-                <a16:creationId xmlns:a16="http://schemas.microsoft.com/office/drawing/2014/main" xmlns="" id="{4C76DDDC-D920-41FE-AE09-AB1B7B5A3EF6}"/>
+                <a16:creationId xmlns:a16="http://schemas.microsoft.com/office/drawing/2014/main" id="{4C76DDDC-D920-41FE-AE09-AB1B7B5A3EF6}"/>
               </a:ext>
             </a:extLst>
           </p:cNvPr>
@@ -5877,7 +5868,7 @@
           <a:blip r:embed="rId2">
             <a:extLst>
               <a:ext uri="{28A0092B-C50C-407E-A947-70E740481C1C}">
-                <a14:useLocalDpi xmlns:a14="http://schemas.microsoft.com/office/drawing/2010/main" xmlns="" val="0"/>
+                <a14:useLocalDpi xmlns:a14="http://schemas.microsoft.com/office/drawing/2010/main" val="0"/>
               </a:ext>
             </a:extLst>
           </a:blip>
@@ -5895,7 +5886,7 @@
     </p:spTree>
     <p:extLst>
       <p:ext uri="{BB962C8B-B14F-4D97-AF65-F5344CB8AC3E}">
-        <p14:creationId xmlns:p14="http://schemas.microsoft.com/office/powerpoint/2010/main" xmlns="" val="3009605888"/>
+        <p14:creationId xmlns:p14="http://schemas.microsoft.com/office/powerpoint/2010/main" val="3009605888"/>
       </p:ext>
     </p:extLst>
   </p:cSld>
@@ -5927,7 +5918,7 @@
           <p:cNvPr id="2" name="Title 1">
             <a:extLst>
               <a:ext uri="{FF2B5EF4-FFF2-40B4-BE49-F238E27FC236}">
-                <a16:creationId xmlns:a16="http://schemas.microsoft.com/office/drawing/2014/main" xmlns="" id="{33B4A4E9-E78C-4B5E-B885-4EC281F69451}"/>
+                <a16:creationId xmlns:a16="http://schemas.microsoft.com/office/drawing/2014/main" id="{33B4A4E9-E78C-4B5E-B885-4EC281F69451}"/>
               </a:ext>
             </a:extLst>
           </p:cNvPr>
@@ -5961,7 +5952,7 @@
           <p:cNvPr id="5" name="Content Placeholder 4" descr="A picture containing line chart&#10;&#10;Description automatically generated">
             <a:extLst>
               <a:ext uri="{FF2B5EF4-FFF2-40B4-BE49-F238E27FC236}">
-                <a16:creationId xmlns:a16="http://schemas.microsoft.com/office/drawing/2014/main" xmlns="" id="{EF14D075-9636-4C7E-AECC-56995F29093D}"/>
+                <a16:creationId xmlns:a16="http://schemas.microsoft.com/office/drawing/2014/main" id="{EF14D075-9636-4C7E-AECC-56995F29093D}"/>
               </a:ext>
             </a:extLst>
           </p:cNvPr>
@@ -5988,7 +5979,7 @@
     </p:spTree>
     <p:extLst>
       <p:ext uri="{BB962C8B-B14F-4D97-AF65-F5344CB8AC3E}">
-        <p14:creationId xmlns:p14="http://schemas.microsoft.com/office/powerpoint/2010/main" xmlns="" val="1223725080"/>
+        <p14:creationId xmlns:p14="http://schemas.microsoft.com/office/powerpoint/2010/main" val="1223725080"/>
       </p:ext>
     </p:extLst>
   </p:cSld>
@@ -6047,7 +6038,7 @@
           <p:cNvPr id="4" name="Content Placeholder 3" descr="A picture containing chart&#10;&#10;Description automatically generated">
             <a:extLst>
               <a:ext uri="{FF2B5EF4-FFF2-40B4-BE49-F238E27FC236}">
-                <a16:creationId xmlns:a16="http://schemas.microsoft.com/office/drawing/2014/main" xmlns="" id="{948CF917-C22D-4BF2-A9E2-7E167F0D3B34}"/>
+                <a16:creationId xmlns:a16="http://schemas.microsoft.com/office/drawing/2014/main" id="{948CF917-C22D-4BF2-A9E2-7E167F0D3B34}"/>
               </a:ext>
             </a:extLst>
           </p:cNvPr>
@@ -6104,7 +6095,7 @@
           <p:cNvPr id="2" name="Title 1">
             <a:extLst>
               <a:ext uri="{FF2B5EF4-FFF2-40B4-BE49-F238E27FC236}">
-                <a16:creationId xmlns:a16="http://schemas.microsoft.com/office/drawing/2014/main" xmlns="" id="{7FDEEFBF-9CE4-4F72-BC1A-D0324EF62132}"/>
+                <a16:creationId xmlns:a16="http://schemas.microsoft.com/office/drawing/2014/main" id="{7FDEEFBF-9CE4-4F72-BC1A-D0324EF62132}"/>
               </a:ext>
             </a:extLst>
           </p:cNvPr>
@@ -6133,7 +6124,7 @@
           <p:cNvPr id="5" name="Content Placeholder 4" descr="Chart, line chart&#10;&#10;Description automatically generated">
             <a:extLst>
               <a:ext uri="{FF2B5EF4-FFF2-40B4-BE49-F238E27FC236}">
-                <a16:creationId xmlns:a16="http://schemas.microsoft.com/office/drawing/2014/main" xmlns="" id="{83A92EBE-F00F-4BA7-890B-4E9F0EBA2647}"/>
+                <a16:creationId xmlns:a16="http://schemas.microsoft.com/office/drawing/2014/main" id="{83A92EBE-F00F-4BA7-890B-4E9F0EBA2647}"/>
               </a:ext>
             </a:extLst>
           </p:cNvPr>
@@ -6148,7 +6139,7 @@
           <a:blip r:embed="rId2">
             <a:extLst>
               <a:ext uri="{28A0092B-C50C-407E-A947-70E740481C1C}">
-                <a14:useLocalDpi xmlns:a14="http://schemas.microsoft.com/office/drawing/2010/main" xmlns="" val="0"/>
+                <a14:useLocalDpi xmlns:a14="http://schemas.microsoft.com/office/drawing/2010/main" val="0"/>
               </a:ext>
             </a:extLst>
           </a:blip>
@@ -6192,7 +6183,7 @@
     </p:spTree>
     <p:extLst>
       <p:ext uri="{BB962C8B-B14F-4D97-AF65-F5344CB8AC3E}">
-        <p14:creationId xmlns:p14="http://schemas.microsoft.com/office/powerpoint/2010/main" xmlns="" val="2961626855"/>
+        <p14:creationId xmlns:p14="http://schemas.microsoft.com/office/powerpoint/2010/main" val="2961626855"/>
       </p:ext>
     </p:extLst>
   </p:cSld>
@@ -6224,7 +6215,7 @@
           <p:cNvPr id="2" name="Title 1">
             <a:extLst>
               <a:ext uri="{FF2B5EF4-FFF2-40B4-BE49-F238E27FC236}">
-                <a16:creationId xmlns:a16="http://schemas.microsoft.com/office/drawing/2014/main" xmlns="" id="{6B085509-3304-4E52-8EAE-3A4351709FC0}"/>
+                <a16:creationId xmlns:a16="http://schemas.microsoft.com/office/drawing/2014/main" id="{6B085509-3304-4E52-8EAE-3A4351709FC0}"/>
               </a:ext>
             </a:extLst>
           </p:cNvPr>
@@ -6242,10 +6233,6 @@
           </a:bodyPr>
           <a:lstStyle/>
           <a:p>
-            <a:r>
-              <a:rPr lang="en-US" dirty="0"/>
-              <a:t/>
-            </a:r>
             <a:br>
               <a:rPr lang="en-US" dirty="0"/>
             </a:br>
@@ -6256,10 +6243,6 @@
             <a:r>
               <a:rPr lang="mk-MK" dirty="0"/>
               <a:t> (споредба)</a:t>
-            </a:r>
-            <a:r>
-              <a:rPr lang="en-US" dirty="0"/>
-              <a:t/>
             </a:r>
             <a:br>
               <a:rPr lang="en-US" dirty="0"/>
@@ -6273,7 +6256,7 @@
           <p:cNvPr id="5" name="Content Placeholder 4" descr="Shape, polygon&#10;&#10;Description automatically generated">
             <a:extLst>
               <a:ext uri="{FF2B5EF4-FFF2-40B4-BE49-F238E27FC236}">
-                <a16:creationId xmlns:a16="http://schemas.microsoft.com/office/drawing/2014/main" xmlns="" id="{C57E766F-1754-4825-B1A5-D2FA6C4DB44D}"/>
+                <a16:creationId xmlns:a16="http://schemas.microsoft.com/office/drawing/2014/main" id="{C57E766F-1754-4825-B1A5-D2FA6C4DB44D}"/>
               </a:ext>
             </a:extLst>
           </p:cNvPr>
@@ -6288,7 +6271,7 @@
           <a:blip r:embed="rId2">
             <a:extLst>
               <a:ext uri="{28A0092B-C50C-407E-A947-70E740481C1C}">
-                <a14:useLocalDpi xmlns:a14="http://schemas.microsoft.com/office/drawing/2010/main" xmlns="" val="0"/>
+                <a14:useLocalDpi xmlns:a14="http://schemas.microsoft.com/office/drawing/2010/main" val="0"/>
               </a:ext>
             </a:extLst>
           </a:blip>
@@ -6306,7 +6289,7 @@
     </p:spTree>
     <p:extLst>
       <p:ext uri="{BB962C8B-B14F-4D97-AF65-F5344CB8AC3E}">
-        <p14:creationId xmlns:p14="http://schemas.microsoft.com/office/powerpoint/2010/main" xmlns="" val="3949972797"/>
+        <p14:creationId xmlns:p14="http://schemas.microsoft.com/office/powerpoint/2010/main" val="3949972797"/>
       </p:ext>
     </p:extLst>
   </p:cSld>
@@ -6338,7 +6321,7 @@
           <p:cNvPr id="2" name="Title 1">
             <a:extLst>
               <a:ext uri="{FF2B5EF4-FFF2-40B4-BE49-F238E27FC236}">
-                <a16:creationId xmlns:a16="http://schemas.microsoft.com/office/drawing/2014/main" xmlns="" id="{9F789DE5-2F61-4554-94A7-B40677F0CE6F}"/>
+                <a16:creationId xmlns:a16="http://schemas.microsoft.com/office/drawing/2014/main" id="{9F789DE5-2F61-4554-94A7-B40677F0CE6F}"/>
               </a:ext>
             </a:extLst>
           </p:cNvPr>
@@ -6373,7 +6356,7 @@
           <p:cNvPr id="5" name="Content Placeholder 4" descr="A picture containing diagram&#10;&#10;Description automatically generated">
             <a:extLst>
               <a:ext uri="{FF2B5EF4-FFF2-40B4-BE49-F238E27FC236}">
-                <a16:creationId xmlns:a16="http://schemas.microsoft.com/office/drawing/2014/main" xmlns="" id="{ED668713-4FC6-43AD-AB9C-720E86AB941E}"/>
+                <a16:creationId xmlns:a16="http://schemas.microsoft.com/office/drawing/2014/main" id="{ED668713-4FC6-43AD-AB9C-720E86AB941E}"/>
               </a:ext>
             </a:extLst>
           </p:cNvPr>
@@ -6388,7 +6371,7 @@
           <a:blip r:embed="rId2">
             <a:extLst>
               <a:ext uri="{28A0092B-C50C-407E-A947-70E740481C1C}">
-                <a14:useLocalDpi xmlns:a14="http://schemas.microsoft.com/office/drawing/2010/main" xmlns="" val="0"/>
+                <a14:useLocalDpi xmlns:a14="http://schemas.microsoft.com/office/drawing/2010/main" val="0"/>
               </a:ext>
             </a:extLst>
           </a:blip>
@@ -6406,7 +6389,7 @@
     </p:spTree>
     <p:extLst>
       <p:ext uri="{BB962C8B-B14F-4D97-AF65-F5344CB8AC3E}">
-        <p14:creationId xmlns:p14="http://schemas.microsoft.com/office/powerpoint/2010/main" xmlns="" val="3315448755"/>
+        <p14:creationId xmlns:p14="http://schemas.microsoft.com/office/powerpoint/2010/main" val="3315448755"/>
       </p:ext>
     </p:extLst>
   </p:cSld>
@@ -6438,7 +6421,7 @@
           <p:cNvPr id="2" name="Title 1">
             <a:extLst>
               <a:ext uri="{FF2B5EF4-FFF2-40B4-BE49-F238E27FC236}">
-                <a16:creationId xmlns:a16="http://schemas.microsoft.com/office/drawing/2014/main" xmlns="" id="{5531EB82-A09F-421A-A8AF-46ABC6C1FBF9}"/>
+                <a16:creationId xmlns:a16="http://schemas.microsoft.com/office/drawing/2014/main" id="{5531EB82-A09F-421A-A8AF-46ABC6C1FBF9}"/>
               </a:ext>
             </a:extLst>
           </p:cNvPr>
@@ -6466,7 +6449,7 @@
           <p:cNvPr id="5" name="Content Placeholder 4" descr="Chart, line chart&#10;&#10;Description automatically generated">
             <a:extLst>
               <a:ext uri="{FF2B5EF4-FFF2-40B4-BE49-F238E27FC236}">
-                <a16:creationId xmlns:a16="http://schemas.microsoft.com/office/drawing/2014/main" xmlns="" id="{E005EF71-811D-4997-B5FF-DBA0890CAFD8}"/>
+                <a16:creationId xmlns:a16="http://schemas.microsoft.com/office/drawing/2014/main" id="{E005EF71-811D-4997-B5FF-DBA0890CAFD8}"/>
               </a:ext>
             </a:extLst>
           </p:cNvPr>
@@ -6493,7 +6476,7 @@
     </p:spTree>
     <p:extLst>
       <p:ext uri="{BB962C8B-B14F-4D97-AF65-F5344CB8AC3E}">
-        <p14:creationId xmlns:p14="http://schemas.microsoft.com/office/powerpoint/2010/main" xmlns="" val="3670079074"/>
+        <p14:creationId xmlns:p14="http://schemas.microsoft.com/office/powerpoint/2010/main" val="3670079074"/>
       </p:ext>
     </p:extLst>
   </p:cSld>
@@ -6525,7 +6508,7 @@
           <p:cNvPr id="2" name="Title 1">
             <a:extLst>
               <a:ext uri="{FF2B5EF4-FFF2-40B4-BE49-F238E27FC236}">
-                <a16:creationId xmlns:a16="http://schemas.microsoft.com/office/drawing/2014/main" xmlns="" id="{28A0EF82-33C0-4A97-B41B-4808F8A0439F}"/>
+                <a16:creationId xmlns:a16="http://schemas.microsoft.com/office/drawing/2014/main" id="{28A0EF82-33C0-4A97-B41B-4808F8A0439F}"/>
               </a:ext>
             </a:extLst>
           </p:cNvPr>
@@ -6553,7 +6536,7 @@
           <p:cNvPr id="5" name="Content Placeholder 4" descr="A picture containing line chart&#10;&#10;Description automatically generated">
             <a:extLst>
               <a:ext uri="{FF2B5EF4-FFF2-40B4-BE49-F238E27FC236}">
-                <a16:creationId xmlns:a16="http://schemas.microsoft.com/office/drawing/2014/main" xmlns="" id="{51773D07-D727-426D-AD4A-29FF4BF458EC}"/>
+                <a16:creationId xmlns:a16="http://schemas.microsoft.com/office/drawing/2014/main" id="{51773D07-D727-426D-AD4A-29FF4BF458EC}"/>
               </a:ext>
             </a:extLst>
           </p:cNvPr>
@@ -6580,7 +6563,7 @@
     </p:spTree>
     <p:extLst>
       <p:ext uri="{BB962C8B-B14F-4D97-AF65-F5344CB8AC3E}">
-        <p14:creationId xmlns:p14="http://schemas.microsoft.com/office/powerpoint/2010/main" xmlns="" val="2215362015"/>
+        <p14:creationId xmlns:p14="http://schemas.microsoft.com/office/powerpoint/2010/main" val="2215362015"/>
       </p:ext>
     </p:extLst>
   </p:cSld>
@@ -6612,7 +6595,7 @@
           <p:cNvPr id="2" name="Title 1">
             <a:extLst>
               <a:ext uri="{FF2B5EF4-FFF2-40B4-BE49-F238E27FC236}">
-                <a16:creationId xmlns:a16="http://schemas.microsoft.com/office/drawing/2014/main" xmlns="" id="{1B0D1824-4644-4FCD-90D4-63C4FC80B93E}"/>
+                <a16:creationId xmlns:a16="http://schemas.microsoft.com/office/drawing/2014/main" id="{1B0D1824-4644-4FCD-90D4-63C4FC80B93E}"/>
               </a:ext>
             </a:extLst>
           </p:cNvPr>
@@ -6674,7 +6657,7 @@
     </p:spTree>
     <p:extLst>
       <p:ext uri="{BB962C8B-B14F-4D97-AF65-F5344CB8AC3E}">
-        <p14:creationId xmlns:p14="http://schemas.microsoft.com/office/powerpoint/2010/main" xmlns="" val="1504844552"/>
+        <p14:creationId xmlns:p14="http://schemas.microsoft.com/office/powerpoint/2010/main" val="1504844552"/>
       </p:ext>
     </p:extLst>
   </p:cSld>
@@ -6789,7 +6772,7 @@
           <p:cNvPr id="2" name="Title 1">
             <a:extLst>
               <a:ext uri="{FF2B5EF4-FFF2-40B4-BE49-F238E27FC236}">
-                <a16:creationId xmlns:a16="http://schemas.microsoft.com/office/drawing/2014/main" xmlns="" id="{12CA811E-19C1-4A08-B85E-FE3059C31F40}"/>
+                <a16:creationId xmlns:a16="http://schemas.microsoft.com/office/drawing/2014/main" id="{12CA811E-19C1-4A08-B85E-FE3059C31F40}"/>
               </a:ext>
             </a:extLst>
           </p:cNvPr>
@@ -6818,7 +6801,7 @@
           <p:cNvPr id="5" name="Content Placeholder 4" descr="Table&#10;&#10;Description automatically generated">
             <a:extLst>
               <a:ext uri="{FF2B5EF4-FFF2-40B4-BE49-F238E27FC236}">
-                <a16:creationId xmlns:a16="http://schemas.microsoft.com/office/drawing/2014/main" xmlns="" id="{14183CEC-8E7D-47CA-86F9-1EBEFED53D11}"/>
+                <a16:creationId xmlns:a16="http://schemas.microsoft.com/office/drawing/2014/main" id="{14183CEC-8E7D-47CA-86F9-1EBEFED53D11}"/>
               </a:ext>
             </a:extLst>
           </p:cNvPr>
@@ -6833,7 +6816,7 @@
           <a:blip r:embed="rId2">
             <a:extLst>
               <a:ext uri="{28A0092B-C50C-407E-A947-70E740481C1C}">
-                <a14:useLocalDpi xmlns:a14="http://schemas.microsoft.com/office/drawing/2010/main" xmlns="" val="0"/>
+                <a14:useLocalDpi xmlns:a14="http://schemas.microsoft.com/office/drawing/2010/main" val="0"/>
               </a:ext>
             </a:extLst>
           </a:blip>
@@ -6851,7 +6834,7 @@
     </p:spTree>
     <p:extLst>
       <p:ext uri="{BB962C8B-B14F-4D97-AF65-F5344CB8AC3E}">
-        <p14:creationId xmlns:p14="http://schemas.microsoft.com/office/powerpoint/2010/main" xmlns="" val="3697112754"/>
+        <p14:creationId xmlns:p14="http://schemas.microsoft.com/office/powerpoint/2010/main" val="3697112754"/>
       </p:ext>
     </p:extLst>
   </p:cSld>
@@ -6936,45 +6919,40 @@
             </a:r>
             <a:r>
               <a:rPr lang="mk-MK" sz="2600" dirty="0"/>
-              <a:t>е најдобар класификатор</a:t>
-            </a:r>
-            <a:r>
-              <a:rPr lang="mk-MK" sz="2600" dirty="0" smtClean="0"/>
-              <a:t>.</a:t>
-            </a:r>
-            <a:r>
-              <a:rPr lang="en-US" sz="2600" dirty="0" smtClean="0"/>
+              <a:t>е најдобар класификатор.</a:t>
+            </a:r>
+            <a:r>
+              <a:rPr lang="en-US" sz="2600" dirty="0"/>
               <a:t>  </a:t>
             </a:r>
             <a:r>
-              <a:rPr lang="mk-MK" sz="2600" dirty="0" smtClean="0"/>
+              <a:rPr lang="mk-MK" sz="2600" dirty="0"/>
               <a:t>Ансамбл методот </a:t>
             </a:r>
             <a:r>
-              <a:rPr lang="en-US" sz="2600" dirty="0" smtClean="0"/>
+              <a:rPr lang="en-US" sz="2600" dirty="0"/>
               <a:t>bagging </a:t>
             </a:r>
             <a:r>
-              <a:rPr lang="mk-MK" sz="2600" dirty="0" smtClean="0"/>
+              <a:rPr lang="mk-MK" sz="2600" dirty="0"/>
               <a:t>кој го користи </a:t>
             </a:r>
             <a:r>
-              <a:rPr lang="en-US" sz="2600" dirty="0" smtClean="0"/>
+              <a:rPr lang="en-US" sz="2600" dirty="0"/>
               <a:t>SVM </a:t>
             </a:r>
             <a:r>
-              <a:rPr lang="mk-MK" sz="2600" dirty="0" smtClean="0"/>
+              <a:rPr lang="mk-MK" sz="2600" dirty="0"/>
               <a:t>со </a:t>
             </a:r>
             <a:r>
-              <a:rPr lang="en-US" sz="2600" dirty="0" smtClean="0"/>
+              <a:rPr lang="en-US" sz="2600" dirty="0"/>
               <a:t>RBF kernel </a:t>
             </a:r>
             <a:r>
-              <a:rPr lang="mk-MK" sz="2600" dirty="0" smtClean="0"/>
+              <a:rPr lang="mk-MK" sz="2600" dirty="0"/>
               <a:t>дава исти резултати.</a:t>
             </a:r>
-            <a:endParaRPr lang="mk-MK" sz="2600" dirty="0"/>
           </a:p>
           <a:p>
             <a:r>
@@ -7095,7 +7073,7 @@
           <p:cNvPr id="2" name="Title 1">
             <a:extLst>
               <a:ext uri="{FF2B5EF4-FFF2-40B4-BE49-F238E27FC236}">
-                <a16:creationId xmlns:a16="http://schemas.microsoft.com/office/drawing/2014/main" xmlns="" id="{3A2D5914-D474-4E7E-9A92-005485FAC06F}"/>
+                <a16:creationId xmlns:a16="http://schemas.microsoft.com/office/drawing/2014/main" id="{3A2D5914-D474-4E7E-9A92-005485FAC06F}"/>
               </a:ext>
             </a:extLst>
           </p:cNvPr>
@@ -7122,7 +7100,7 @@
     </p:spTree>
     <p:extLst>
       <p:ext uri="{BB962C8B-B14F-4D97-AF65-F5344CB8AC3E}">
-        <p14:creationId xmlns:p14="http://schemas.microsoft.com/office/powerpoint/2010/main" xmlns="" val="4055461891"/>
+        <p14:creationId xmlns:p14="http://schemas.microsoft.com/office/powerpoint/2010/main" val="4055461891"/>
       </p:ext>
     </p:extLst>
   </p:cSld>
@@ -7154,7 +7132,7 @@
           <p:cNvPr id="2" name="Title 1">
             <a:extLst>
               <a:ext uri="{FF2B5EF4-FFF2-40B4-BE49-F238E27FC236}">
-                <a16:creationId xmlns:a16="http://schemas.microsoft.com/office/drawing/2014/main" xmlns="" id="{42CE1734-2980-42FC-B850-88E239035123}"/>
+                <a16:creationId xmlns:a16="http://schemas.microsoft.com/office/drawing/2014/main" id="{42CE1734-2980-42FC-B850-88E239035123}"/>
               </a:ext>
             </a:extLst>
           </p:cNvPr>
@@ -7183,7 +7161,7 @@
           <p:cNvPr id="3" name="Content Placeholder 2">
             <a:extLst>
               <a:ext uri="{FF2B5EF4-FFF2-40B4-BE49-F238E27FC236}">
-                <a16:creationId xmlns:a16="http://schemas.microsoft.com/office/drawing/2014/main" xmlns="" id="{C5D084D6-9764-4660-BCB1-EEB7606C73F3}"/>
+                <a16:creationId xmlns:a16="http://schemas.microsoft.com/office/drawing/2014/main" id="{C5D084D6-9764-4660-BCB1-EEB7606C73F3}"/>
               </a:ext>
             </a:extLst>
           </p:cNvPr>
@@ -7312,7 +7290,7 @@
     </p:spTree>
     <p:extLst>
       <p:ext uri="{BB962C8B-B14F-4D97-AF65-F5344CB8AC3E}">
-        <p14:creationId xmlns:p14="http://schemas.microsoft.com/office/powerpoint/2010/main" xmlns="" val="264293400"/>
+        <p14:creationId xmlns:p14="http://schemas.microsoft.com/office/powerpoint/2010/main" val="264293400"/>
       </p:ext>
     </p:extLst>
   </p:cSld>
@@ -7344,7 +7322,7 @@
           <p:cNvPr id="2" name="Title 1">
             <a:extLst>
               <a:ext uri="{FF2B5EF4-FFF2-40B4-BE49-F238E27FC236}">
-                <a16:creationId xmlns:a16="http://schemas.microsoft.com/office/drawing/2014/main" xmlns="" id="{D371A80E-029E-4E1F-A74E-68C020B8C8AE}"/>
+                <a16:creationId xmlns:a16="http://schemas.microsoft.com/office/drawing/2014/main" id="{D371A80E-029E-4E1F-A74E-68C020B8C8AE}"/>
               </a:ext>
             </a:extLst>
           </p:cNvPr>
@@ -7373,7 +7351,7 @@
           <p:cNvPr id="3" name="Content Placeholder 2">
             <a:extLst>
               <a:ext uri="{FF2B5EF4-FFF2-40B4-BE49-F238E27FC236}">
-                <a16:creationId xmlns:a16="http://schemas.microsoft.com/office/drawing/2014/main" xmlns="" id="{DACD87D8-9F10-422F-A492-7D04281BD39C}"/>
+                <a16:creationId xmlns:a16="http://schemas.microsoft.com/office/drawing/2014/main" id="{DACD87D8-9F10-422F-A492-7D04281BD39C}"/>
               </a:ext>
             </a:extLst>
           </p:cNvPr>
@@ -7458,7 +7436,7 @@
     </p:spTree>
     <p:extLst>
       <p:ext uri="{BB962C8B-B14F-4D97-AF65-F5344CB8AC3E}">
-        <p14:creationId xmlns:p14="http://schemas.microsoft.com/office/powerpoint/2010/main" xmlns="" val="71875947"/>
+        <p14:creationId xmlns:p14="http://schemas.microsoft.com/office/powerpoint/2010/main" val="71875947"/>
       </p:ext>
     </p:extLst>
   </p:cSld>
@@ -7490,7 +7468,7 @@
           <p:cNvPr id="2" name="Title 1">
             <a:extLst>
               <a:ext uri="{FF2B5EF4-FFF2-40B4-BE49-F238E27FC236}">
-                <a16:creationId xmlns:a16="http://schemas.microsoft.com/office/drawing/2014/main" xmlns="" id="{998B11E6-111E-4AED-B6C3-AA00AFD7ECC9}"/>
+                <a16:creationId xmlns:a16="http://schemas.microsoft.com/office/drawing/2014/main" id="{998B11E6-111E-4AED-B6C3-AA00AFD7ECC9}"/>
               </a:ext>
             </a:extLst>
           </p:cNvPr>
@@ -7519,7 +7497,7 @@
           <p:cNvPr id="5" name="Content Placeholder 4" descr="Icon&#10;&#10;Description automatically generated">
             <a:extLst>
               <a:ext uri="{FF2B5EF4-FFF2-40B4-BE49-F238E27FC236}">
-                <a16:creationId xmlns:a16="http://schemas.microsoft.com/office/drawing/2014/main" xmlns="" id="{5C0FF998-B951-4D4B-BC7E-333E56CB9445}"/>
+                <a16:creationId xmlns:a16="http://schemas.microsoft.com/office/drawing/2014/main" id="{5C0FF998-B951-4D4B-BC7E-333E56CB9445}"/>
               </a:ext>
             </a:extLst>
           </p:cNvPr>
@@ -7534,7 +7512,7 @@
           <a:blip r:embed="rId2">
             <a:extLst>
               <a:ext uri="{28A0092B-C50C-407E-A947-70E740481C1C}">
-                <a14:useLocalDpi xmlns:a14="http://schemas.microsoft.com/office/drawing/2010/main" xmlns="" val="0"/>
+                <a14:useLocalDpi xmlns:a14="http://schemas.microsoft.com/office/drawing/2010/main" val="0"/>
               </a:ext>
             </a:extLst>
           </a:blip>
@@ -7554,7 +7532,7 @@
           <p:cNvPr id="7" name="Picture 6" descr="Chart, bar chart&#10;&#10;Description automatically generated">
             <a:extLst>
               <a:ext uri="{FF2B5EF4-FFF2-40B4-BE49-F238E27FC236}">
-                <a16:creationId xmlns:a16="http://schemas.microsoft.com/office/drawing/2014/main" xmlns="" id="{850B0385-59E7-474C-9F7B-B88728AC6A08}"/>
+                <a16:creationId xmlns:a16="http://schemas.microsoft.com/office/drawing/2014/main" id="{850B0385-59E7-474C-9F7B-B88728AC6A08}"/>
               </a:ext>
             </a:extLst>
           </p:cNvPr>
@@ -7567,7 +7545,7 @@
           <a:blip r:embed="rId3">
             <a:extLst>
               <a:ext uri="{28A0092B-C50C-407E-A947-70E740481C1C}">
-                <a14:useLocalDpi xmlns:a14="http://schemas.microsoft.com/office/drawing/2010/main" xmlns="" val="0"/>
+                <a14:useLocalDpi xmlns:a14="http://schemas.microsoft.com/office/drawing/2010/main" val="0"/>
               </a:ext>
             </a:extLst>
           </a:blip>
@@ -7590,7 +7568,7 @@
           <p:cNvPr id="9" name="Picture 8" descr="Chart&#10;&#10;Description automatically generated">
             <a:extLst>
               <a:ext uri="{FF2B5EF4-FFF2-40B4-BE49-F238E27FC236}">
-                <a16:creationId xmlns:a16="http://schemas.microsoft.com/office/drawing/2014/main" xmlns="" id="{4C54AC93-2DB3-44FB-A8FE-402B0BF78897}"/>
+                <a16:creationId xmlns:a16="http://schemas.microsoft.com/office/drawing/2014/main" id="{4C54AC93-2DB3-44FB-A8FE-402B0BF78897}"/>
               </a:ext>
             </a:extLst>
           </p:cNvPr>
@@ -7603,7 +7581,7 @@
           <a:blip r:embed="rId4">
             <a:extLst>
               <a:ext uri="{28A0092B-C50C-407E-A947-70E740481C1C}">
-                <a14:useLocalDpi xmlns:a14="http://schemas.microsoft.com/office/drawing/2010/main" xmlns="" val="0"/>
+                <a14:useLocalDpi xmlns:a14="http://schemas.microsoft.com/office/drawing/2010/main" val="0"/>
               </a:ext>
             </a:extLst>
           </a:blip>
@@ -7626,7 +7604,7 @@
           <p:cNvPr id="3" name="Picture 2">
             <a:extLst>
               <a:ext uri="{FF2B5EF4-FFF2-40B4-BE49-F238E27FC236}">
-                <a16:creationId xmlns:a16="http://schemas.microsoft.com/office/drawing/2014/main" xmlns="" id="{8CFD0234-8F63-4AD6-8537-73E2A7D0BE66}"/>
+                <a16:creationId xmlns:a16="http://schemas.microsoft.com/office/drawing/2014/main" id="{8CFD0234-8F63-4AD6-8537-73E2A7D0BE66}"/>
               </a:ext>
             </a:extLst>
           </p:cNvPr>
@@ -7654,7 +7632,7 @@
     </p:spTree>
     <p:extLst>
       <p:ext uri="{BB962C8B-B14F-4D97-AF65-F5344CB8AC3E}">
-        <p14:creationId xmlns:p14="http://schemas.microsoft.com/office/powerpoint/2010/main" xmlns="" val="1616739186"/>
+        <p14:creationId xmlns:p14="http://schemas.microsoft.com/office/powerpoint/2010/main" val="1616739186"/>
       </p:ext>
     </p:extLst>
   </p:cSld>
@@ -7694,10 +7672,10 @@
           <p:cNvPr id="31" name="Rectangle 30">
             <a:extLst>
               <a:ext uri="{FF2B5EF4-FFF2-40B4-BE49-F238E27FC236}">
-                <a16:creationId xmlns:a16="http://schemas.microsoft.com/office/drawing/2014/main" xmlns="" id="{60E9A6ED-B880-44EA-8D60-C9D3C82CCBD2}"/>
+                <a16:creationId xmlns:a16="http://schemas.microsoft.com/office/drawing/2014/main" id="{60E9A6ED-B880-44EA-8D60-C9D3C82CCBD2}"/>
               </a:ext>
               <a:ext uri="{C183D7F6-B498-43B3-948B-1728B52AA6E4}">
-                <adec:decorative xmlns:adec="http://schemas.microsoft.com/office/drawing/2017/decorative" xmlns="" val="1"/>
+                <adec:decorative xmlns:adec="http://schemas.microsoft.com/office/drawing/2017/decorative" val="1"/>
               </a:ext>
             </a:extLst>
           </p:cNvPr>
@@ -7707,7 +7685,7 @@
           <p:nvPr>
             <p:extLst>
               <p:ext uri="{386F3935-93C4-4BCD-93E2-E3B085C9AB24}">
-                <p16:designElem xmlns:p16="http://schemas.microsoft.com/office/powerpoint/2015/main" xmlns="" val="1"/>
+                <p16:designElem xmlns:p16="http://schemas.microsoft.com/office/powerpoint/2015/main" val="1"/>
               </p:ext>
             </p:extLst>
           </p:nvPr>
@@ -7754,7 +7732,7 @@
           <p:cNvPr id="2" name="Title 1">
             <a:extLst>
               <a:ext uri="{FF2B5EF4-FFF2-40B4-BE49-F238E27FC236}">
-                <a16:creationId xmlns:a16="http://schemas.microsoft.com/office/drawing/2014/main" xmlns="" id="{A2EBF68F-9680-4CEA-A896-B1A8ADF3AAD9}"/>
+                <a16:creationId xmlns:a16="http://schemas.microsoft.com/office/drawing/2014/main" id="{A2EBF68F-9680-4CEA-A896-B1A8ADF3AAD9}"/>
               </a:ext>
             </a:extLst>
           </p:cNvPr>
@@ -7797,7 +7775,7 @@
           <p:cNvPr id="6" name="Title 1">
             <a:extLst>
               <a:ext uri="{FF2B5EF4-FFF2-40B4-BE49-F238E27FC236}">
-                <a16:creationId xmlns:a16="http://schemas.microsoft.com/office/drawing/2014/main" xmlns="" id="{F9B567CD-75F0-4AE5-98B8-F8F55FF9CA30}"/>
+                <a16:creationId xmlns:a16="http://schemas.microsoft.com/office/drawing/2014/main" id="{F9B567CD-75F0-4AE5-98B8-F8F55FF9CA30}"/>
               </a:ext>
             </a:extLst>
           </p:cNvPr>
@@ -7852,7 +7830,7 @@
           <p:cNvPr id="7" name="Content Placeholder 6" descr="Graphical user interface, website&#10;&#10;Description automatically generated">
             <a:extLst>
               <a:ext uri="{FF2B5EF4-FFF2-40B4-BE49-F238E27FC236}">
-                <a16:creationId xmlns:a16="http://schemas.microsoft.com/office/drawing/2014/main" xmlns="" id="{9F0188C0-1DAD-47F3-A30B-8FE5A6480BCE}"/>
+                <a16:creationId xmlns:a16="http://schemas.microsoft.com/office/drawing/2014/main" id="{9F0188C0-1DAD-47F3-A30B-8FE5A6480BCE}"/>
               </a:ext>
             </a:extLst>
           </p:cNvPr>
@@ -7867,7 +7845,7 @@
           <a:blip r:embed="rId2">
             <a:extLst>
               <a:ext uri="{28A0092B-C50C-407E-A947-70E740481C1C}">
-                <a14:useLocalDpi xmlns:a14="http://schemas.microsoft.com/office/drawing/2010/main" xmlns="" val="0"/>
+                <a14:useLocalDpi xmlns:a14="http://schemas.microsoft.com/office/drawing/2010/main" val="0"/>
               </a:ext>
             </a:extLst>
           </a:blip>
@@ -7887,7 +7865,7 @@
           <p:cNvPr id="9" name="Picture 8" descr="Graphical user interface, chart, application&#10;&#10;Description automatically generated">
             <a:extLst>
               <a:ext uri="{FF2B5EF4-FFF2-40B4-BE49-F238E27FC236}">
-                <a16:creationId xmlns:a16="http://schemas.microsoft.com/office/drawing/2014/main" xmlns="" id="{DB2F61E3-6C7F-4B6C-94E7-3FAFA04C0C80}"/>
+                <a16:creationId xmlns:a16="http://schemas.microsoft.com/office/drawing/2014/main" id="{DB2F61E3-6C7F-4B6C-94E7-3FAFA04C0C80}"/>
               </a:ext>
             </a:extLst>
           </p:cNvPr>
@@ -7900,7 +7878,7 @@
           <a:blip r:embed="rId3">
             <a:extLst>
               <a:ext uri="{28A0092B-C50C-407E-A947-70E740481C1C}">
-                <a14:useLocalDpi xmlns:a14="http://schemas.microsoft.com/office/drawing/2010/main" xmlns="" val="0"/>
+                <a14:useLocalDpi xmlns:a14="http://schemas.microsoft.com/office/drawing/2010/main" val="0"/>
               </a:ext>
             </a:extLst>
           </a:blip>
@@ -7921,7 +7899,7 @@
     </p:spTree>
     <p:extLst>
       <p:ext uri="{BB962C8B-B14F-4D97-AF65-F5344CB8AC3E}">
-        <p14:creationId xmlns:p14="http://schemas.microsoft.com/office/powerpoint/2010/main" xmlns="" val="3771792613"/>
+        <p14:creationId xmlns:p14="http://schemas.microsoft.com/office/powerpoint/2010/main" val="3771792613"/>
       </p:ext>
     </p:extLst>
   </p:cSld>
@@ -7961,10 +7939,10 @@
           <p:cNvPr id="12" name="Rectangle 9">
             <a:extLst>
               <a:ext uri="{FF2B5EF4-FFF2-40B4-BE49-F238E27FC236}">
-                <a16:creationId xmlns:a16="http://schemas.microsoft.com/office/drawing/2014/main" xmlns="" id="{026A84AF-6F58-471A-BF1F-10D8C03511C4}"/>
+                <a16:creationId xmlns:a16="http://schemas.microsoft.com/office/drawing/2014/main" id="{026A84AF-6F58-471A-BF1F-10D8C03511C4}"/>
               </a:ext>
               <a:ext uri="{C183D7F6-B498-43B3-948B-1728B52AA6E4}">
-                <adec:decorative xmlns:adec="http://schemas.microsoft.com/office/drawing/2017/decorative" xmlns="" val="1"/>
+                <adec:decorative xmlns:adec="http://schemas.microsoft.com/office/drawing/2017/decorative" val="1"/>
               </a:ext>
             </a:extLst>
           </p:cNvPr>
@@ -7974,7 +7952,7 @@
           <p:nvPr>
             <p:extLst>
               <p:ext uri="{386F3935-93C4-4BCD-93E2-E3B085C9AB24}">
-                <p16:designElem xmlns:p16="http://schemas.microsoft.com/office/powerpoint/2015/main" xmlns="" val="1"/>
+                <p16:designElem xmlns:p16="http://schemas.microsoft.com/office/powerpoint/2015/main" val="1"/>
               </p:ext>
             </p:extLst>
           </p:nvPr>
@@ -8021,7 +7999,7 @@
           <p:cNvPr id="2" name="Title 1">
             <a:extLst>
               <a:ext uri="{FF2B5EF4-FFF2-40B4-BE49-F238E27FC236}">
-                <a16:creationId xmlns:a16="http://schemas.microsoft.com/office/drawing/2014/main" xmlns="" id="{6F635464-E269-4BCB-B97D-D8F1D8AE9A92}"/>
+                <a16:creationId xmlns:a16="http://schemas.microsoft.com/office/drawing/2014/main" id="{6F635464-E269-4BCB-B97D-D8F1D8AE9A92}"/>
               </a:ext>
             </a:extLst>
           </p:cNvPr>
@@ -8061,7 +8039,7 @@
           <p:cNvPr id="5" name="Content Placeholder 4" descr="Diagram&#10;&#10;Description automatically generated">
             <a:extLst>
               <a:ext uri="{FF2B5EF4-FFF2-40B4-BE49-F238E27FC236}">
-                <a16:creationId xmlns:a16="http://schemas.microsoft.com/office/drawing/2014/main" xmlns="" id="{93CA7CBD-C679-4C02-AA4E-CB44C18CB611}"/>
+                <a16:creationId xmlns:a16="http://schemas.microsoft.com/office/drawing/2014/main" id="{93CA7CBD-C679-4C02-AA4E-CB44C18CB611}"/>
               </a:ext>
             </a:extLst>
           </p:cNvPr>
@@ -8076,7 +8054,7 @@
           <a:blip r:embed="rId2">
             <a:extLst>
               <a:ext uri="{28A0092B-C50C-407E-A947-70E740481C1C}">
-                <a14:useLocalDpi xmlns:a14="http://schemas.microsoft.com/office/drawing/2010/main" xmlns="" val="0"/>
+                <a14:useLocalDpi xmlns:a14="http://schemas.microsoft.com/office/drawing/2010/main" val="0"/>
               </a:ext>
             </a:extLst>
           </a:blip>
@@ -8098,7 +8076,7 @@
           <p:cNvPr id="6" name="Title 1">
             <a:extLst>
               <a:ext uri="{FF2B5EF4-FFF2-40B4-BE49-F238E27FC236}">
-                <a16:creationId xmlns:a16="http://schemas.microsoft.com/office/drawing/2014/main" xmlns="" id="{20DD0690-8797-45F0-878D-9FAB88E13441}"/>
+                <a16:creationId xmlns:a16="http://schemas.microsoft.com/office/drawing/2014/main" id="{20DD0690-8797-45F0-878D-9FAB88E13441}"/>
               </a:ext>
             </a:extLst>
           </p:cNvPr>
@@ -8151,7 +8129,7 @@
     </p:spTree>
     <p:extLst>
       <p:ext uri="{BB962C8B-B14F-4D97-AF65-F5344CB8AC3E}">
-        <p14:creationId xmlns:p14="http://schemas.microsoft.com/office/powerpoint/2010/main" xmlns="" val="3227065945"/>
+        <p14:creationId xmlns:p14="http://schemas.microsoft.com/office/powerpoint/2010/main" val="3227065945"/>
       </p:ext>
     </p:extLst>
   </p:cSld>
@@ -8183,7 +8161,7 @@
           <p:cNvPr id="2" name="Title 1">
             <a:extLst>
               <a:ext uri="{FF2B5EF4-FFF2-40B4-BE49-F238E27FC236}">
-                <a16:creationId xmlns:a16="http://schemas.microsoft.com/office/drawing/2014/main" xmlns="" id="{9D8A8F2B-51E2-4F1C-B7BC-99668223DEED}"/>
+                <a16:creationId xmlns:a16="http://schemas.microsoft.com/office/drawing/2014/main" id="{9D8A8F2B-51E2-4F1C-B7BC-99668223DEED}"/>
               </a:ext>
             </a:extLst>
           </p:cNvPr>
@@ -8220,7 +8198,7 @@
           <p:cNvPr id="5" name="Content Placeholder 4" descr="Chart, box and whisker chart&#10;&#10;Description automatically generated">
             <a:extLst>
               <a:ext uri="{FF2B5EF4-FFF2-40B4-BE49-F238E27FC236}">
-                <a16:creationId xmlns:a16="http://schemas.microsoft.com/office/drawing/2014/main" xmlns="" id="{17F255EF-23AC-4BD1-B984-2C529277D55C}"/>
+                <a16:creationId xmlns:a16="http://schemas.microsoft.com/office/drawing/2014/main" id="{17F255EF-23AC-4BD1-B984-2C529277D55C}"/>
               </a:ext>
             </a:extLst>
           </p:cNvPr>
@@ -8235,7 +8213,7 @@
           <a:blip r:embed="rId2">
             <a:extLst>
               <a:ext uri="{28A0092B-C50C-407E-A947-70E740481C1C}">
-                <a14:useLocalDpi xmlns:a14="http://schemas.microsoft.com/office/drawing/2010/main" xmlns="" val="0"/>
+                <a14:useLocalDpi xmlns:a14="http://schemas.microsoft.com/office/drawing/2010/main" val="0"/>
               </a:ext>
             </a:extLst>
           </a:blip>
@@ -8255,7 +8233,7 @@
           <p:cNvPr id="4" name="Title 1">
             <a:extLst>
               <a:ext uri="{FF2B5EF4-FFF2-40B4-BE49-F238E27FC236}">
-                <a16:creationId xmlns:a16="http://schemas.microsoft.com/office/drawing/2014/main" xmlns="" id="{989760B3-788E-4DEB-BA28-A468D8CF5A7B}"/>
+                <a16:creationId xmlns:a16="http://schemas.microsoft.com/office/drawing/2014/main" id="{989760B3-788E-4DEB-BA28-A468D8CF5A7B}"/>
               </a:ext>
             </a:extLst>
           </p:cNvPr>
@@ -8308,7 +8286,7 @@
     </p:spTree>
     <p:extLst>
       <p:ext uri="{BB962C8B-B14F-4D97-AF65-F5344CB8AC3E}">
-        <p14:creationId xmlns:p14="http://schemas.microsoft.com/office/powerpoint/2010/main" xmlns="" val="3079619808"/>
+        <p14:creationId xmlns:p14="http://schemas.microsoft.com/office/powerpoint/2010/main" val="3079619808"/>
       </p:ext>
     </p:extLst>
   </p:cSld>
@@ -8607,7 +8585,7 @@
   <a:extraClrSchemeLst/>
   <a:extLst>
     <a:ext uri="{05A4C25C-085E-4340-85A3-A5531E510DB2}">
-      <thm15:themeFamily xmlns:thm15="http://schemas.microsoft.com/office/thememl/2012/main" xmlns="" name="Office Theme" id="{62F939B6-93AF-4DB8-9C6B-D6C7DFDC589F}" vid="{4A3C46E8-61CC-4603-A589-7422A47A8E4A}"/>
+      <thm15:themeFamily xmlns:thm15="http://schemas.microsoft.com/office/thememl/2012/main" name="Office Theme" id="{62F939B6-93AF-4DB8-9C6B-D6C7DFDC589F}" vid="{4A3C46E8-61CC-4603-A589-7422A47A8E4A}"/>
     </a:ext>
   </a:extLst>
 </a:theme>

--- a/ПодаточноРударство.pptx
+++ b/ПодаточноРударство.pptx
@@ -4092,14 +4092,14 @@
             </a:br>
             <a:r>
               <a:rPr lang="en-US" sz="2600" dirty="0"/>
-              <a:t>[[ TP FN ]</a:t>
+              <a:t>[[TN FP ]</a:t>
             </a:r>
             <a:br>
-              <a:rPr lang="en-US" sz="2600" dirty="0"/>
+              <a:rPr lang="en-US" sz="2600"/>
             </a:br>
             <a:r>
-              <a:rPr lang="en-US" sz="2600" dirty="0"/>
-              <a:t>[ FP TN ]]</a:t>
+              <a:rPr lang="en-US" sz="2600"/>
+              <a:t>[FN TP ]]</a:t>
             </a:r>
             <a:endParaRPr lang="mk-MK" sz="2600" dirty="0"/>
           </a:p>
@@ -4182,7 +4182,7 @@
         <p:spPr/>
         <p:txBody>
           <a:bodyPr>
-            <a:normAutofit fontScale="90000"/>
+            <a:normAutofit/>
           </a:bodyPr>
           <a:lstStyle/>
           <a:p>
@@ -7795,7 +7795,7 @@
         </p:spPr>
         <p:txBody>
           <a:bodyPr vert="horz" lIns="91440" tIns="45720" rIns="91440" bIns="45720" rtlCol="0" anchor="ctr">
-            <a:normAutofit fontScale="92500"/>
+            <a:normAutofit/>
           </a:bodyPr>
           <a:lstStyle>
             <a:lvl1pPr algn="l" defTabSz="914400" rtl="0" eaLnBrk="1" latinLnBrk="0" hangingPunct="1">
@@ -8253,7 +8253,7 @@
         </p:spPr>
         <p:txBody>
           <a:bodyPr vert="horz" lIns="91440" tIns="45720" rIns="91440" bIns="45720" rtlCol="0" anchor="ctr">
-            <a:normAutofit fontScale="92500"/>
+            <a:normAutofit/>
           </a:bodyPr>
           <a:lstStyle>
             <a:lvl1pPr algn="l" defTabSz="914400" rtl="0" eaLnBrk="1" latinLnBrk="0" hangingPunct="1">
